--- a/schema question posée.pptx
+++ b/schema question posée.pptx
@@ -2,18 +2,18 @@
 <file path=ppt/presentation.xml><?xml version="1.0" encoding="utf-8"?>
 <p:presentation xmlns:a="http://schemas.openxmlformats.org/drawingml/2006/main" xmlns:r="http://schemas.openxmlformats.org/officeDocument/2006/relationships" xmlns:p="http://schemas.openxmlformats.org/presentationml/2006/main" saveSubsetFonts="1">
   <p:sldMasterIdLst>
-    <p:sldMasterId id="2147483648" r:id="rId1"/>
+    <p:sldMasterId id="2147483684" r:id="rId1"/>
   </p:sldMasterIdLst>
   <p:sldIdLst>
     <p:sldId id="256" r:id="rId2"/>
   </p:sldIdLst>
-  <p:sldSz cx="12192000" cy="6858000"/>
+  <p:sldSz cx="7920038" cy="7199313"/>
   <p:notesSz cx="6858000" cy="9144000"/>
   <p:defaultTextStyle>
     <a:defPPr>
-      <a:defRPr lang="fr-FR"/>
+      <a:defRPr lang="en-US"/>
     </a:defPPr>
-    <a:lvl1pPr marL="0" algn="l" defTabSz="914400" rtl="0" eaLnBrk="1" latinLnBrk="0" hangingPunct="1">
+    <a:lvl1pPr marL="0" algn="l" defTabSz="457200" rtl="0" eaLnBrk="1" latinLnBrk="0" hangingPunct="1">
       <a:defRPr sz="1800" kern="1200">
         <a:solidFill>
           <a:schemeClr val="tx1"/>
@@ -23,7 +23,7 @@
         <a:cs typeface="+mn-cs"/>
       </a:defRPr>
     </a:lvl1pPr>
-    <a:lvl2pPr marL="457200" algn="l" defTabSz="914400" rtl="0" eaLnBrk="1" latinLnBrk="0" hangingPunct="1">
+    <a:lvl2pPr marL="457200" algn="l" defTabSz="457200" rtl="0" eaLnBrk="1" latinLnBrk="0" hangingPunct="1">
       <a:defRPr sz="1800" kern="1200">
         <a:solidFill>
           <a:schemeClr val="tx1"/>
@@ -33,7 +33,7 @@
         <a:cs typeface="+mn-cs"/>
       </a:defRPr>
     </a:lvl2pPr>
-    <a:lvl3pPr marL="914400" algn="l" defTabSz="914400" rtl="0" eaLnBrk="1" latinLnBrk="0" hangingPunct="1">
+    <a:lvl3pPr marL="914400" algn="l" defTabSz="457200" rtl="0" eaLnBrk="1" latinLnBrk="0" hangingPunct="1">
       <a:defRPr sz="1800" kern="1200">
         <a:solidFill>
           <a:schemeClr val="tx1"/>
@@ -43,7 +43,7 @@
         <a:cs typeface="+mn-cs"/>
       </a:defRPr>
     </a:lvl3pPr>
-    <a:lvl4pPr marL="1371600" algn="l" defTabSz="914400" rtl="0" eaLnBrk="1" latinLnBrk="0" hangingPunct="1">
+    <a:lvl4pPr marL="1371600" algn="l" defTabSz="457200" rtl="0" eaLnBrk="1" latinLnBrk="0" hangingPunct="1">
       <a:defRPr sz="1800" kern="1200">
         <a:solidFill>
           <a:schemeClr val="tx1"/>
@@ -53,7 +53,7 @@
         <a:cs typeface="+mn-cs"/>
       </a:defRPr>
     </a:lvl4pPr>
-    <a:lvl5pPr marL="1828800" algn="l" defTabSz="914400" rtl="0" eaLnBrk="1" latinLnBrk="0" hangingPunct="1">
+    <a:lvl5pPr marL="1828800" algn="l" defTabSz="457200" rtl="0" eaLnBrk="1" latinLnBrk="0" hangingPunct="1">
       <a:defRPr sz="1800" kern="1200">
         <a:solidFill>
           <a:schemeClr val="tx1"/>
@@ -63,7 +63,7 @@
         <a:cs typeface="+mn-cs"/>
       </a:defRPr>
     </a:lvl5pPr>
-    <a:lvl6pPr marL="2286000" algn="l" defTabSz="914400" rtl="0" eaLnBrk="1" latinLnBrk="0" hangingPunct="1">
+    <a:lvl6pPr marL="2286000" algn="l" defTabSz="457200" rtl="0" eaLnBrk="1" latinLnBrk="0" hangingPunct="1">
       <a:defRPr sz="1800" kern="1200">
         <a:solidFill>
           <a:schemeClr val="tx1"/>
@@ -73,7 +73,7 @@
         <a:cs typeface="+mn-cs"/>
       </a:defRPr>
     </a:lvl6pPr>
-    <a:lvl7pPr marL="2743200" algn="l" defTabSz="914400" rtl="0" eaLnBrk="1" latinLnBrk="0" hangingPunct="1">
+    <a:lvl7pPr marL="2743200" algn="l" defTabSz="457200" rtl="0" eaLnBrk="1" latinLnBrk="0" hangingPunct="1">
       <a:defRPr sz="1800" kern="1200">
         <a:solidFill>
           <a:schemeClr val="tx1"/>
@@ -83,7 +83,7 @@
         <a:cs typeface="+mn-cs"/>
       </a:defRPr>
     </a:lvl7pPr>
-    <a:lvl8pPr marL="3200400" algn="l" defTabSz="914400" rtl="0" eaLnBrk="1" latinLnBrk="0" hangingPunct="1">
+    <a:lvl8pPr marL="3200400" algn="l" defTabSz="457200" rtl="0" eaLnBrk="1" latinLnBrk="0" hangingPunct="1">
       <a:defRPr sz="1800" kern="1200">
         <a:solidFill>
           <a:schemeClr val="tx1"/>
@@ -93,7 +93,7 @@
         <a:cs typeface="+mn-cs"/>
       </a:defRPr>
     </a:lvl8pPr>
-    <a:lvl9pPr marL="3657600" algn="l" defTabSz="914400" rtl="0" eaLnBrk="1" latinLnBrk="0" hangingPunct="1">
+    <a:lvl9pPr marL="3657600" algn="l" defTabSz="457200" rtl="0" eaLnBrk="1" latinLnBrk="0" hangingPunct="1">
       <a:defRPr sz="1800" kern="1200">
         <a:solidFill>
           <a:schemeClr val="tx1"/>
@@ -113,6 +113,9 @@
           </p14:sldIdLst>
         </p14:section>
       </p14:sectionLst>
+    </p:ext>
+    <p:ext uri="{EFAFB233-063F-42B5-8137-9DF3F51BA10A}">
+      <p15:sldGuideLst xmlns:p15="http://schemas.microsoft.com/office/powerpoint/2012/main"/>
     </p:ext>
   </p:extLst>
 </p:presentation>
@@ -137,7 +140,7 @@
       </p:grpSpPr>
       <p:sp>
         <p:nvSpPr>
-          <p:cNvPr id="2" name="Titre 1"/>
+          <p:cNvPr id="2" name="Title 1"/>
           <p:cNvSpPr>
             <a:spLocks noGrp="1"/>
           </p:cNvSpPr>
@@ -147,15 +150,15 @@
         </p:nvSpPr>
         <p:spPr>
           <a:xfrm>
-            <a:off x="1524000" y="1122363"/>
-            <a:ext cx="9144000" cy="2387600"/>
+            <a:off x="594003" y="1178222"/>
+            <a:ext cx="6732032" cy="2506427"/>
           </a:xfrm>
         </p:spPr>
         <p:txBody>
           <a:bodyPr anchor="b"/>
           <a:lstStyle>
             <a:lvl1pPr algn="ctr">
-              <a:defRPr sz="6000"/>
+              <a:defRPr sz="5197"/>
             </a:lvl1pPr>
           </a:lstStyle>
           <a:p>
@@ -163,13 +166,13 @@
               <a:rPr lang="fr-FR" smtClean="0"/>
               <a:t>Modifiez le style du titre</a:t>
             </a:r>
-            <a:endParaRPr lang="fr-FR"/>
-          </a:p>
-        </p:txBody>
-      </p:sp>
-      <p:sp>
-        <p:nvSpPr>
-          <p:cNvPr id="3" name="Sous-titre 2"/>
+            <a:endParaRPr lang="en-US" dirty="0"/>
+          </a:p>
+        </p:txBody>
+      </p:sp>
+      <p:sp>
+        <p:nvSpPr>
+          <p:cNvPr id="3" name="Subtitle 2"/>
           <p:cNvSpPr>
             <a:spLocks noGrp="1"/>
           </p:cNvSpPr>
@@ -179,8 +182,8 @@
         </p:nvSpPr>
         <p:spPr>
           <a:xfrm>
-            <a:off x="1524000" y="3602038"/>
-            <a:ext cx="9144000" cy="1655762"/>
+            <a:off x="990005" y="3781306"/>
+            <a:ext cx="5940029" cy="1738167"/>
           </a:xfrm>
         </p:spPr>
         <p:txBody>
@@ -188,39 +191,39 @@
           <a:lstStyle>
             <a:lvl1pPr marL="0" indent="0" algn="ctr">
               <a:buNone/>
-              <a:defRPr sz="2400"/>
+              <a:defRPr sz="2079"/>
             </a:lvl1pPr>
-            <a:lvl2pPr marL="457200" indent="0" algn="ctr">
-              <a:buNone/>
-              <a:defRPr sz="2000"/>
+            <a:lvl2pPr marL="395981" indent="0" algn="ctr">
+              <a:buNone/>
+              <a:defRPr sz="1732"/>
             </a:lvl2pPr>
-            <a:lvl3pPr marL="914400" indent="0" algn="ctr">
-              <a:buNone/>
-              <a:defRPr sz="1800"/>
+            <a:lvl3pPr marL="791962" indent="0" algn="ctr">
+              <a:buNone/>
+              <a:defRPr sz="1559"/>
             </a:lvl3pPr>
-            <a:lvl4pPr marL="1371600" indent="0" algn="ctr">
-              <a:buNone/>
-              <a:defRPr sz="1600"/>
+            <a:lvl4pPr marL="1187943" indent="0" algn="ctr">
+              <a:buNone/>
+              <a:defRPr sz="1386"/>
             </a:lvl4pPr>
-            <a:lvl5pPr marL="1828800" indent="0" algn="ctr">
-              <a:buNone/>
-              <a:defRPr sz="1600"/>
+            <a:lvl5pPr marL="1583924" indent="0" algn="ctr">
+              <a:buNone/>
+              <a:defRPr sz="1386"/>
             </a:lvl5pPr>
-            <a:lvl6pPr marL="2286000" indent="0" algn="ctr">
-              <a:buNone/>
-              <a:defRPr sz="1600"/>
+            <a:lvl6pPr marL="1979905" indent="0" algn="ctr">
+              <a:buNone/>
+              <a:defRPr sz="1386"/>
             </a:lvl6pPr>
-            <a:lvl7pPr marL="2743200" indent="0" algn="ctr">
-              <a:buNone/>
-              <a:defRPr sz="1600"/>
+            <a:lvl7pPr marL="2375886" indent="0" algn="ctr">
+              <a:buNone/>
+              <a:defRPr sz="1386"/>
             </a:lvl7pPr>
-            <a:lvl8pPr marL="3200400" indent="0" algn="ctr">
-              <a:buNone/>
-              <a:defRPr sz="1600"/>
+            <a:lvl8pPr marL="2771866" indent="0" algn="ctr">
+              <a:buNone/>
+              <a:defRPr sz="1386"/>
             </a:lvl8pPr>
-            <a:lvl9pPr marL="3657600" indent="0" algn="ctr">
-              <a:buNone/>
-              <a:defRPr sz="1600"/>
+            <a:lvl9pPr marL="3167847" indent="0" algn="ctr">
+              <a:buNone/>
+              <a:defRPr sz="1386"/>
             </a:lvl9pPr>
           </a:lstStyle>
           <a:p>
@@ -228,13 +231,13 @@
               <a:rPr lang="fr-FR" smtClean="0"/>
               <a:t>Modifier le style des sous-titres du masque</a:t>
             </a:r>
-            <a:endParaRPr lang="fr-FR"/>
-          </a:p>
-        </p:txBody>
-      </p:sp>
-      <p:sp>
-        <p:nvSpPr>
-          <p:cNvPr id="4" name="Espace réservé de la date 3"/>
+            <a:endParaRPr lang="en-US" dirty="0"/>
+          </a:p>
+        </p:txBody>
+      </p:sp>
+      <p:sp>
+        <p:nvSpPr>
+          <p:cNvPr id="4" name="Date Placeholder 3"/>
           <p:cNvSpPr>
             <a:spLocks noGrp="1"/>
           </p:cNvSpPr>
@@ -249,7 +252,7 @@
           <a:p>
             <a:fld id="{E3B6E41C-0CF4-458E-88A9-1FB998CEBDAD}" type="datetimeFigureOut">
               <a:rPr lang="fr-FR" smtClean="0"/>
-              <a:t>24/08/2023</a:t>
+              <a:t>30/08/2023</a:t>
             </a:fld>
             <a:endParaRPr lang="fr-FR"/>
           </a:p>
@@ -257,7 +260,7 @@
       </p:sp>
       <p:sp>
         <p:nvSpPr>
-          <p:cNvPr id="5" name="Espace réservé du pied de page 4"/>
+          <p:cNvPr id="5" name="Footer Placeholder 4"/>
           <p:cNvSpPr>
             <a:spLocks noGrp="1"/>
           </p:cNvSpPr>
@@ -276,7 +279,7 @@
       </p:sp>
       <p:sp>
         <p:nvSpPr>
-          <p:cNvPr id="6" name="Espace réservé du numéro de diapositive 5"/>
+          <p:cNvPr id="6" name="Slide Number Placeholder 5"/>
           <p:cNvSpPr>
             <a:spLocks noGrp="1"/>
           </p:cNvSpPr>
@@ -300,7 +303,7 @@
     </p:spTree>
     <p:extLst>
       <p:ext uri="{BB962C8B-B14F-4D97-AF65-F5344CB8AC3E}">
-        <p14:creationId xmlns:p14="http://schemas.microsoft.com/office/powerpoint/2010/main" val="2754822361"/>
+        <p14:creationId xmlns:p14="http://schemas.microsoft.com/office/powerpoint/2010/main" val="2121999890"/>
       </p:ext>
     </p:extLst>
   </p:cSld>
@@ -329,7 +332,7 @@
       </p:grpSpPr>
       <p:sp>
         <p:nvSpPr>
-          <p:cNvPr id="2" name="Titre 1"/>
+          <p:cNvPr id="2" name="Title 1"/>
           <p:cNvSpPr>
             <a:spLocks noGrp="1"/>
           </p:cNvSpPr>
@@ -346,13 +349,13 @@
               <a:rPr lang="fr-FR" smtClean="0"/>
               <a:t>Modifiez le style du titre</a:t>
             </a:r>
-            <a:endParaRPr lang="fr-FR"/>
-          </a:p>
-        </p:txBody>
-      </p:sp>
-      <p:sp>
-        <p:nvSpPr>
-          <p:cNvPr id="3" name="Espace réservé du texte vertical 2"/>
+            <a:endParaRPr lang="en-US" dirty="0"/>
+          </a:p>
+        </p:txBody>
+      </p:sp>
+      <p:sp>
+        <p:nvSpPr>
+          <p:cNvPr id="3" name="Vertical Text Placeholder 2"/>
           <p:cNvSpPr>
             <a:spLocks noGrp="1"/>
           </p:cNvSpPr>
@@ -398,13 +401,13 @@
               <a:rPr lang="fr-FR" smtClean="0"/>
               <a:t>Cinquième niveau</a:t>
             </a:r>
-            <a:endParaRPr lang="fr-FR"/>
-          </a:p>
-        </p:txBody>
-      </p:sp>
-      <p:sp>
-        <p:nvSpPr>
-          <p:cNvPr id="4" name="Espace réservé de la date 3"/>
+            <a:endParaRPr lang="en-US" dirty="0"/>
+          </a:p>
+        </p:txBody>
+      </p:sp>
+      <p:sp>
+        <p:nvSpPr>
+          <p:cNvPr id="4" name="Date Placeholder 3"/>
           <p:cNvSpPr>
             <a:spLocks noGrp="1"/>
           </p:cNvSpPr>
@@ -419,7 +422,7 @@
           <a:p>
             <a:fld id="{E3B6E41C-0CF4-458E-88A9-1FB998CEBDAD}" type="datetimeFigureOut">
               <a:rPr lang="fr-FR" smtClean="0"/>
-              <a:t>24/08/2023</a:t>
+              <a:t>30/08/2023</a:t>
             </a:fld>
             <a:endParaRPr lang="fr-FR"/>
           </a:p>
@@ -427,7 +430,7 @@
       </p:sp>
       <p:sp>
         <p:nvSpPr>
-          <p:cNvPr id="5" name="Espace réservé du pied de page 4"/>
+          <p:cNvPr id="5" name="Footer Placeholder 4"/>
           <p:cNvSpPr>
             <a:spLocks noGrp="1"/>
           </p:cNvSpPr>
@@ -446,7 +449,7 @@
       </p:sp>
       <p:sp>
         <p:nvSpPr>
-          <p:cNvPr id="6" name="Espace réservé du numéro de diapositive 5"/>
+          <p:cNvPr id="6" name="Slide Number Placeholder 5"/>
           <p:cNvSpPr>
             <a:spLocks noGrp="1"/>
           </p:cNvSpPr>
@@ -470,7 +473,7 @@
     </p:spTree>
     <p:extLst>
       <p:ext uri="{BB962C8B-B14F-4D97-AF65-F5344CB8AC3E}">
-        <p14:creationId xmlns:p14="http://schemas.microsoft.com/office/powerpoint/2010/main" val="1721387852"/>
+        <p14:creationId xmlns:p14="http://schemas.microsoft.com/office/powerpoint/2010/main" val="2893006352"/>
       </p:ext>
     </p:extLst>
   </p:cSld>
@@ -499,7 +502,7 @@
       </p:grpSpPr>
       <p:sp>
         <p:nvSpPr>
-          <p:cNvPr id="2" name="Titre vertical 1"/>
+          <p:cNvPr id="2" name="Vertical Title 1"/>
           <p:cNvSpPr>
             <a:spLocks noGrp="1"/>
           </p:cNvSpPr>
@@ -509,8 +512,8 @@
         </p:nvSpPr>
         <p:spPr>
           <a:xfrm>
-            <a:off x="8724900" y="365125"/>
-            <a:ext cx="2628900" cy="5811838"/>
+            <a:off x="5667778" y="383297"/>
+            <a:ext cx="1707758" cy="6101085"/>
           </a:xfrm>
         </p:spPr>
         <p:txBody>
@@ -521,13 +524,13 @@
               <a:rPr lang="fr-FR" smtClean="0"/>
               <a:t>Modifiez le style du titre</a:t>
             </a:r>
-            <a:endParaRPr lang="fr-FR"/>
-          </a:p>
-        </p:txBody>
-      </p:sp>
-      <p:sp>
-        <p:nvSpPr>
-          <p:cNvPr id="3" name="Espace réservé du texte vertical 2"/>
+            <a:endParaRPr lang="en-US" dirty="0"/>
+          </a:p>
+        </p:txBody>
+      </p:sp>
+      <p:sp>
+        <p:nvSpPr>
+          <p:cNvPr id="3" name="Vertical Text Placeholder 2"/>
           <p:cNvSpPr>
             <a:spLocks noGrp="1"/>
           </p:cNvSpPr>
@@ -537,8 +540,8 @@
         </p:nvSpPr>
         <p:spPr>
           <a:xfrm>
-            <a:off x="838200" y="365125"/>
-            <a:ext cx="7734300" cy="5811838"/>
+            <a:off x="544503" y="383297"/>
+            <a:ext cx="5024274" cy="6101085"/>
           </a:xfrm>
         </p:spPr>
         <p:txBody>
@@ -578,13 +581,13 @@
               <a:rPr lang="fr-FR" smtClean="0"/>
               <a:t>Cinquième niveau</a:t>
             </a:r>
-            <a:endParaRPr lang="fr-FR"/>
-          </a:p>
-        </p:txBody>
-      </p:sp>
-      <p:sp>
-        <p:nvSpPr>
-          <p:cNvPr id="4" name="Espace réservé de la date 3"/>
+            <a:endParaRPr lang="en-US" dirty="0"/>
+          </a:p>
+        </p:txBody>
+      </p:sp>
+      <p:sp>
+        <p:nvSpPr>
+          <p:cNvPr id="4" name="Date Placeholder 3"/>
           <p:cNvSpPr>
             <a:spLocks noGrp="1"/>
           </p:cNvSpPr>
@@ -599,7 +602,7 @@
           <a:p>
             <a:fld id="{E3B6E41C-0CF4-458E-88A9-1FB998CEBDAD}" type="datetimeFigureOut">
               <a:rPr lang="fr-FR" smtClean="0"/>
-              <a:t>24/08/2023</a:t>
+              <a:t>30/08/2023</a:t>
             </a:fld>
             <a:endParaRPr lang="fr-FR"/>
           </a:p>
@@ -607,7 +610,7 @@
       </p:sp>
       <p:sp>
         <p:nvSpPr>
-          <p:cNvPr id="5" name="Espace réservé du pied de page 4"/>
+          <p:cNvPr id="5" name="Footer Placeholder 4"/>
           <p:cNvSpPr>
             <a:spLocks noGrp="1"/>
           </p:cNvSpPr>
@@ -626,7 +629,7 @@
       </p:sp>
       <p:sp>
         <p:nvSpPr>
-          <p:cNvPr id="6" name="Espace réservé du numéro de diapositive 5"/>
+          <p:cNvPr id="6" name="Slide Number Placeholder 5"/>
           <p:cNvSpPr>
             <a:spLocks noGrp="1"/>
           </p:cNvSpPr>
@@ -650,7 +653,7 @@
     </p:spTree>
     <p:extLst>
       <p:ext uri="{BB962C8B-B14F-4D97-AF65-F5344CB8AC3E}">
-        <p14:creationId xmlns:p14="http://schemas.microsoft.com/office/powerpoint/2010/main" val="635723658"/>
+        <p14:creationId xmlns:p14="http://schemas.microsoft.com/office/powerpoint/2010/main" val="3372608492"/>
       </p:ext>
     </p:extLst>
   </p:cSld>
@@ -679,7 +682,7 @@
       </p:grpSpPr>
       <p:sp>
         <p:nvSpPr>
-          <p:cNvPr id="2" name="Titre 1"/>
+          <p:cNvPr id="2" name="Title 1"/>
           <p:cNvSpPr>
             <a:spLocks noGrp="1"/>
           </p:cNvSpPr>
@@ -696,13 +699,13 @@
               <a:rPr lang="fr-FR" smtClean="0"/>
               <a:t>Modifiez le style du titre</a:t>
             </a:r>
-            <a:endParaRPr lang="fr-FR"/>
-          </a:p>
-        </p:txBody>
-      </p:sp>
-      <p:sp>
-        <p:nvSpPr>
-          <p:cNvPr id="3" name="Espace réservé du contenu 2"/>
+            <a:endParaRPr lang="en-US" dirty="0"/>
+          </a:p>
+        </p:txBody>
+      </p:sp>
+      <p:sp>
+        <p:nvSpPr>
+          <p:cNvPr id="3" name="Content Placeholder 2"/>
           <p:cNvSpPr>
             <a:spLocks noGrp="1"/>
           </p:cNvSpPr>
@@ -748,13 +751,13 @@
               <a:rPr lang="fr-FR" smtClean="0"/>
               <a:t>Cinquième niveau</a:t>
             </a:r>
-            <a:endParaRPr lang="fr-FR"/>
-          </a:p>
-        </p:txBody>
-      </p:sp>
-      <p:sp>
-        <p:nvSpPr>
-          <p:cNvPr id="4" name="Espace réservé de la date 3"/>
+            <a:endParaRPr lang="en-US" dirty="0"/>
+          </a:p>
+        </p:txBody>
+      </p:sp>
+      <p:sp>
+        <p:nvSpPr>
+          <p:cNvPr id="4" name="Date Placeholder 3"/>
           <p:cNvSpPr>
             <a:spLocks noGrp="1"/>
           </p:cNvSpPr>
@@ -769,7 +772,7 @@
           <a:p>
             <a:fld id="{E3B6E41C-0CF4-458E-88A9-1FB998CEBDAD}" type="datetimeFigureOut">
               <a:rPr lang="fr-FR" smtClean="0"/>
-              <a:t>24/08/2023</a:t>
+              <a:t>30/08/2023</a:t>
             </a:fld>
             <a:endParaRPr lang="fr-FR"/>
           </a:p>
@@ -777,7 +780,7 @@
       </p:sp>
       <p:sp>
         <p:nvSpPr>
-          <p:cNvPr id="5" name="Espace réservé du pied de page 4"/>
+          <p:cNvPr id="5" name="Footer Placeholder 4"/>
           <p:cNvSpPr>
             <a:spLocks noGrp="1"/>
           </p:cNvSpPr>
@@ -796,7 +799,7 @@
       </p:sp>
       <p:sp>
         <p:nvSpPr>
-          <p:cNvPr id="6" name="Espace réservé du numéro de diapositive 5"/>
+          <p:cNvPr id="6" name="Slide Number Placeholder 5"/>
           <p:cNvSpPr>
             <a:spLocks noGrp="1"/>
           </p:cNvSpPr>
@@ -820,7 +823,7 @@
     </p:spTree>
     <p:extLst>
       <p:ext uri="{BB962C8B-B14F-4D97-AF65-F5344CB8AC3E}">
-        <p14:creationId xmlns:p14="http://schemas.microsoft.com/office/powerpoint/2010/main" val="3004048280"/>
+        <p14:creationId xmlns:p14="http://schemas.microsoft.com/office/powerpoint/2010/main" val="4269275636"/>
       </p:ext>
     </p:extLst>
   </p:cSld>
@@ -849,7 +852,7 @@
       </p:grpSpPr>
       <p:sp>
         <p:nvSpPr>
-          <p:cNvPr id="2" name="Titre 1"/>
+          <p:cNvPr id="2" name="Title 1"/>
           <p:cNvSpPr>
             <a:spLocks noGrp="1"/>
           </p:cNvSpPr>
@@ -859,15 +862,15 @@
         </p:nvSpPr>
         <p:spPr>
           <a:xfrm>
-            <a:off x="831850" y="1709738"/>
-            <a:ext cx="10515600" cy="2852737"/>
+            <a:off x="540378" y="1794831"/>
+            <a:ext cx="6831033" cy="2994714"/>
           </a:xfrm>
         </p:spPr>
         <p:txBody>
           <a:bodyPr anchor="b"/>
           <a:lstStyle>
             <a:lvl1pPr>
-              <a:defRPr sz="6000"/>
+              <a:defRPr sz="5197"/>
             </a:lvl1pPr>
           </a:lstStyle>
           <a:p>
@@ -875,13 +878,13 @@
               <a:rPr lang="fr-FR" smtClean="0"/>
               <a:t>Modifiez le style du titre</a:t>
             </a:r>
-            <a:endParaRPr lang="fr-FR"/>
-          </a:p>
-        </p:txBody>
-      </p:sp>
-      <p:sp>
-        <p:nvSpPr>
-          <p:cNvPr id="3" name="Espace réservé du texte 2"/>
+            <a:endParaRPr lang="en-US" dirty="0"/>
+          </a:p>
+        </p:txBody>
+      </p:sp>
+      <p:sp>
+        <p:nvSpPr>
+          <p:cNvPr id="3" name="Text Placeholder 2"/>
           <p:cNvSpPr>
             <a:spLocks noGrp="1"/>
           </p:cNvSpPr>
@@ -891,8 +894,8 @@
         </p:nvSpPr>
         <p:spPr>
           <a:xfrm>
-            <a:off x="831850" y="4589463"/>
-            <a:ext cx="10515600" cy="1500187"/>
+            <a:off x="540378" y="4817876"/>
+            <a:ext cx="6831033" cy="1574849"/>
           </a:xfrm>
         </p:spPr>
         <p:txBody>
@@ -900,17 +903,15 @@
           <a:lstStyle>
             <a:lvl1pPr marL="0" indent="0">
               <a:buNone/>
-              <a:defRPr sz="2400">
+              <a:defRPr sz="2079">
                 <a:solidFill>
-                  <a:schemeClr val="tx1">
-                    <a:tint val="75000"/>
-                  </a:schemeClr>
+                  <a:schemeClr val="tx1"/>
                 </a:solidFill>
               </a:defRPr>
             </a:lvl1pPr>
-            <a:lvl2pPr marL="457200" indent="0">
-              <a:buNone/>
-              <a:defRPr sz="2000">
+            <a:lvl2pPr marL="395981" indent="0">
+              <a:buNone/>
+              <a:defRPr sz="1732">
                 <a:solidFill>
                   <a:schemeClr val="tx1">
                     <a:tint val="75000"/>
@@ -918,9 +919,9 @@
                 </a:solidFill>
               </a:defRPr>
             </a:lvl2pPr>
-            <a:lvl3pPr marL="914400" indent="0">
-              <a:buNone/>
-              <a:defRPr sz="1800">
+            <a:lvl3pPr marL="791962" indent="0">
+              <a:buNone/>
+              <a:defRPr sz="1559">
                 <a:solidFill>
                   <a:schemeClr val="tx1">
                     <a:tint val="75000"/>
@@ -928,9 +929,9 @@
                 </a:solidFill>
               </a:defRPr>
             </a:lvl3pPr>
-            <a:lvl4pPr marL="1371600" indent="0">
-              <a:buNone/>
-              <a:defRPr sz="1600">
+            <a:lvl4pPr marL="1187943" indent="0">
+              <a:buNone/>
+              <a:defRPr sz="1386">
                 <a:solidFill>
                   <a:schemeClr val="tx1">
                     <a:tint val="75000"/>
@@ -938,9 +939,9 @@
                 </a:solidFill>
               </a:defRPr>
             </a:lvl4pPr>
-            <a:lvl5pPr marL="1828800" indent="0">
-              <a:buNone/>
-              <a:defRPr sz="1600">
+            <a:lvl5pPr marL="1583924" indent="0">
+              <a:buNone/>
+              <a:defRPr sz="1386">
                 <a:solidFill>
                   <a:schemeClr val="tx1">
                     <a:tint val="75000"/>
@@ -948,9 +949,9 @@
                 </a:solidFill>
               </a:defRPr>
             </a:lvl5pPr>
-            <a:lvl6pPr marL="2286000" indent="0">
-              <a:buNone/>
-              <a:defRPr sz="1600">
+            <a:lvl6pPr marL="1979905" indent="0">
+              <a:buNone/>
+              <a:defRPr sz="1386">
                 <a:solidFill>
                   <a:schemeClr val="tx1">
                     <a:tint val="75000"/>
@@ -958,9 +959,9 @@
                 </a:solidFill>
               </a:defRPr>
             </a:lvl6pPr>
-            <a:lvl7pPr marL="2743200" indent="0">
-              <a:buNone/>
-              <a:defRPr sz="1600">
+            <a:lvl7pPr marL="2375886" indent="0">
+              <a:buNone/>
+              <a:defRPr sz="1386">
                 <a:solidFill>
                   <a:schemeClr val="tx1">
                     <a:tint val="75000"/>
@@ -968,9 +969,9 @@
                 </a:solidFill>
               </a:defRPr>
             </a:lvl7pPr>
-            <a:lvl8pPr marL="3200400" indent="0">
-              <a:buNone/>
-              <a:defRPr sz="1600">
+            <a:lvl8pPr marL="2771866" indent="0">
+              <a:buNone/>
+              <a:defRPr sz="1386">
                 <a:solidFill>
                   <a:schemeClr val="tx1">
                     <a:tint val="75000"/>
@@ -978,9 +979,9 @@
                 </a:solidFill>
               </a:defRPr>
             </a:lvl8pPr>
-            <a:lvl9pPr marL="3657600" indent="0">
-              <a:buNone/>
-              <a:defRPr sz="1600">
+            <a:lvl9pPr marL="3167847" indent="0">
+              <a:buNone/>
+              <a:defRPr sz="1386">
                 <a:solidFill>
                   <a:schemeClr val="tx1">
                     <a:tint val="75000"/>
@@ -1000,7 +1001,7 @@
       </p:sp>
       <p:sp>
         <p:nvSpPr>
-          <p:cNvPr id="4" name="Espace réservé de la date 3"/>
+          <p:cNvPr id="4" name="Date Placeholder 3"/>
           <p:cNvSpPr>
             <a:spLocks noGrp="1"/>
           </p:cNvSpPr>
@@ -1015,7 +1016,7 @@
           <a:p>
             <a:fld id="{E3B6E41C-0CF4-458E-88A9-1FB998CEBDAD}" type="datetimeFigureOut">
               <a:rPr lang="fr-FR" smtClean="0"/>
-              <a:t>24/08/2023</a:t>
+              <a:t>30/08/2023</a:t>
             </a:fld>
             <a:endParaRPr lang="fr-FR"/>
           </a:p>
@@ -1023,7 +1024,7 @@
       </p:sp>
       <p:sp>
         <p:nvSpPr>
-          <p:cNvPr id="5" name="Espace réservé du pied de page 4"/>
+          <p:cNvPr id="5" name="Footer Placeholder 4"/>
           <p:cNvSpPr>
             <a:spLocks noGrp="1"/>
           </p:cNvSpPr>
@@ -1042,7 +1043,7 @@
       </p:sp>
       <p:sp>
         <p:nvSpPr>
-          <p:cNvPr id="6" name="Espace réservé du numéro de diapositive 5"/>
+          <p:cNvPr id="6" name="Slide Number Placeholder 5"/>
           <p:cNvSpPr>
             <a:spLocks noGrp="1"/>
           </p:cNvSpPr>
@@ -1066,7 +1067,7 @@
     </p:spTree>
     <p:extLst>
       <p:ext uri="{BB962C8B-B14F-4D97-AF65-F5344CB8AC3E}">
-        <p14:creationId xmlns:p14="http://schemas.microsoft.com/office/powerpoint/2010/main" val="86391213"/>
+        <p14:creationId xmlns:p14="http://schemas.microsoft.com/office/powerpoint/2010/main" val="753202304"/>
       </p:ext>
     </p:extLst>
   </p:cSld>
@@ -1095,7 +1096,7 @@
       </p:grpSpPr>
       <p:sp>
         <p:nvSpPr>
-          <p:cNvPr id="2" name="Titre 1"/>
+          <p:cNvPr id="2" name="Title 1"/>
           <p:cNvSpPr>
             <a:spLocks noGrp="1"/>
           </p:cNvSpPr>
@@ -1112,13 +1113,13 @@
               <a:rPr lang="fr-FR" smtClean="0"/>
               <a:t>Modifiez le style du titre</a:t>
             </a:r>
-            <a:endParaRPr lang="fr-FR"/>
-          </a:p>
-        </p:txBody>
-      </p:sp>
-      <p:sp>
-        <p:nvSpPr>
-          <p:cNvPr id="3" name="Espace réservé du contenu 2"/>
+            <a:endParaRPr lang="en-US" dirty="0"/>
+          </a:p>
+        </p:txBody>
+      </p:sp>
+      <p:sp>
+        <p:nvSpPr>
+          <p:cNvPr id="3" name="Content Placeholder 2"/>
           <p:cNvSpPr>
             <a:spLocks noGrp="1"/>
           </p:cNvSpPr>
@@ -1128,8 +1129,8 @@
         </p:nvSpPr>
         <p:spPr>
           <a:xfrm>
-            <a:off x="838200" y="1825625"/>
-            <a:ext cx="5181600" cy="4351338"/>
+            <a:off x="544503" y="1916484"/>
+            <a:ext cx="3366016" cy="4567898"/>
           </a:xfrm>
         </p:spPr>
         <p:txBody>
@@ -1169,13 +1170,13 @@
               <a:rPr lang="fr-FR" smtClean="0"/>
               <a:t>Cinquième niveau</a:t>
             </a:r>
-            <a:endParaRPr lang="fr-FR"/>
-          </a:p>
-        </p:txBody>
-      </p:sp>
-      <p:sp>
-        <p:nvSpPr>
-          <p:cNvPr id="4" name="Espace réservé du contenu 3"/>
+            <a:endParaRPr lang="en-US" dirty="0"/>
+          </a:p>
+        </p:txBody>
+      </p:sp>
+      <p:sp>
+        <p:nvSpPr>
+          <p:cNvPr id="4" name="Content Placeholder 3"/>
           <p:cNvSpPr>
             <a:spLocks noGrp="1"/>
           </p:cNvSpPr>
@@ -1185,8 +1186,8 @@
         </p:nvSpPr>
         <p:spPr>
           <a:xfrm>
-            <a:off x="6172200" y="1825625"/>
-            <a:ext cx="5181600" cy="4351338"/>
+            <a:off x="4009519" y="1916484"/>
+            <a:ext cx="3366016" cy="4567898"/>
           </a:xfrm>
         </p:spPr>
         <p:txBody>
@@ -1226,13 +1227,13 @@
               <a:rPr lang="fr-FR" smtClean="0"/>
               <a:t>Cinquième niveau</a:t>
             </a:r>
-            <a:endParaRPr lang="fr-FR"/>
-          </a:p>
-        </p:txBody>
-      </p:sp>
-      <p:sp>
-        <p:nvSpPr>
-          <p:cNvPr id="5" name="Espace réservé de la date 4"/>
+            <a:endParaRPr lang="en-US" dirty="0"/>
+          </a:p>
+        </p:txBody>
+      </p:sp>
+      <p:sp>
+        <p:nvSpPr>
+          <p:cNvPr id="5" name="Date Placeholder 4"/>
           <p:cNvSpPr>
             <a:spLocks noGrp="1"/>
           </p:cNvSpPr>
@@ -1247,7 +1248,7 @@
           <a:p>
             <a:fld id="{E3B6E41C-0CF4-458E-88A9-1FB998CEBDAD}" type="datetimeFigureOut">
               <a:rPr lang="fr-FR" smtClean="0"/>
-              <a:t>24/08/2023</a:t>
+              <a:t>30/08/2023</a:t>
             </a:fld>
             <a:endParaRPr lang="fr-FR"/>
           </a:p>
@@ -1255,7 +1256,7 @@
       </p:sp>
       <p:sp>
         <p:nvSpPr>
-          <p:cNvPr id="6" name="Espace réservé du pied de page 5"/>
+          <p:cNvPr id="6" name="Footer Placeholder 5"/>
           <p:cNvSpPr>
             <a:spLocks noGrp="1"/>
           </p:cNvSpPr>
@@ -1274,7 +1275,7 @@
       </p:sp>
       <p:sp>
         <p:nvSpPr>
-          <p:cNvPr id="7" name="Espace réservé du numéro de diapositive 6"/>
+          <p:cNvPr id="7" name="Slide Number Placeholder 6"/>
           <p:cNvSpPr>
             <a:spLocks noGrp="1"/>
           </p:cNvSpPr>
@@ -1298,7 +1299,7 @@
     </p:spTree>
     <p:extLst>
       <p:ext uri="{BB962C8B-B14F-4D97-AF65-F5344CB8AC3E}">
-        <p14:creationId xmlns:p14="http://schemas.microsoft.com/office/powerpoint/2010/main" val="2104477260"/>
+        <p14:creationId xmlns:p14="http://schemas.microsoft.com/office/powerpoint/2010/main" val="1338440864"/>
       </p:ext>
     </p:extLst>
   </p:cSld>
@@ -1327,7 +1328,7 @@
       </p:grpSpPr>
       <p:sp>
         <p:nvSpPr>
-          <p:cNvPr id="2" name="Titre 1"/>
+          <p:cNvPr id="2" name="Title 1"/>
           <p:cNvSpPr>
             <a:spLocks noGrp="1"/>
           </p:cNvSpPr>
@@ -1337,8 +1338,8 @@
         </p:nvSpPr>
         <p:spPr>
           <a:xfrm>
-            <a:off x="839788" y="365125"/>
-            <a:ext cx="10515600" cy="1325563"/>
+            <a:off x="545534" y="383299"/>
+            <a:ext cx="6831033" cy="1391534"/>
           </a:xfrm>
         </p:spPr>
         <p:txBody>
@@ -1349,13 +1350,13 @@
               <a:rPr lang="fr-FR" smtClean="0"/>
               <a:t>Modifiez le style du titre</a:t>
             </a:r>
-            <a:endParaRPr lang="fr-FR"/>
-          </a:p>
-        </p:txBody>
-      </p:sp>
-      <p:sp>
-        <p:nvSpPr>
-          <p:cNvPr id="3" name="Espace réservé du texte 2"/>
+            <a:endParaRPr lang="en-US" dirty="0"/>
+          </a:p>
+        </p:txBody>
+      </p:sp>
+      <p:sp>
+        <p:nvSpPr>
+          <p:cNvPr id="3" name="Text Placeholder 2"/>
           <p:cNvSpPr>
             <a:spLocks noGrp="1"/>
           </p:cNvSpPr>
@@ -1365,8 +1366,8 @@
         </p:nvSpPr>
         <p:spPr>
           <a:xfrm>
-            <a:off x="839788" y="1681163"/>
-            <a:ext cx="5157787" cy="823912"/>
+            <a:off x="545535" y="1764832"/>
+            <a:ext cx="3350547" cy="864917"/>
           </a:xfrm>
         </p:spPr>
         <p:txBody>
@@ -1374,39 +1375,39 @@
           <a:lstStyle>
             <a:lvl1pPr marL="0" indent="0">
               <a:buNone/>
-              <a:defRPr sz="2400" b="1"/>
+              <a:defRPr sz="2079" b="1"/>
             </a:lvl1pPr>
-            <a:lvl2pPr marL="457200" indent="0">
-              <a:buNone/>
-              <a:defRPr sz="2000" b="1"/>
+            <a:lvl2pPr marL="395981" indent="0">
+              <a:buNone/>
+              <a:defRPr sz="1732" b="1"/>
             </a:lvl2pPr>
-            <a:lvl3pPr marL="914400" indent="0">
-              <a:buNone/>
-              <a:defRPr sz="1800" b="1"/>
+            <a:lvl3pPr marL="791962" indent="0">
+              <a:buNone/>
+              <a:defRPr sz="1559" b="1"/>
             </a:lvl3pPr>
-            <a:lvl4pPr marL="1371600" indent="0">
-              <a:buNone/>
-              <a:defRPr sz="1600" b="1"/>
+            <a:lvl4pPr marL="1187943" indent="0">
+              <a:buNone/>
+              <a:defRPr sz="1386" b="1"/>
             </a:lvl4pPr>
-            <a:lvl5pPr marL="1828800" indent="0">
-              <a:buNone/>
-              <a:defRPr sz="1600" b="1"/>
+            <a:lvl5pPr marL="1583924" indent="0">
+              <a:buNone/>
+              <a:defRPr sz="1386" b="1"/>
             </a:lvl5pPr>
-            <a:lvl6pPr marL="2286000" indent="0">
-              <a:buNone/>
-              <a:defRPr sz="1600" b="1"/>
+            <a:lvl6pPr marL="1979905" indent="0">
+              <a:buNone/>
+              <a:defRPr sz="1386" b="1"/>
             </a:lvl6pPr>
-            <a:lvl7pPr marL="2743200" indent="0">
-              <a:buNone/>
-              <a:defRPr sz="1600" b="1"/>
+            <a:lvl7pPr marL="2375886" indent="0">
+              <a:buNone/>
+              <a:defRPr sz="1386" b="1"/>
             </a:lvl7pPr>
-            <a:lvl8pPr marL="3200400" indent="0">
-              <a:buNone/>
-              <a:defRPr sz="1600" b="1"/>
+            <a:lvl8pPr marL="2771866" indent="0">
+              <a:buNone/>
+              <a:defRPr sz="1386" b="1"/>
             </a:lvl8pPr>
-            <a:lvl9pPr marL="3657600" indent="0">
-              <a:buNone/>
-              <a:defRPr sz="1600" b="1"/>
+            <a:lvl9pPr marL="3167847" indent="0">
+              <a:buNone/>
+              <a:defRPr sz="1386" b="1"/>
             </a:lvl9pPr>
           </a:lstStyle>
           <a:p>
@@ -1420,7 +1421,7 @@
       </p:sp>
       <p:sp>
         <p:nvSpPr>
-          <p:cNvPr id="4" name="Espace réservé du contenu 3"/>
+          <p:cNvPr id="4" name="Content Placeholder 3"/>
           <p:cNvSpPr>
             <a:spLocks noGrp="1"/>
           </p:cNvSpPr>
@@ -1430,8 +1431,8 @@
         </p:nvSpPr>
         <p:spPr>
           <a:xfrm>
-            <a:off x="839788" y="2505075"/>
-            <a:ext cx="5157787" cy="3684588"/>
+            <a:off x="545535" y="2629749"/>
+            <a:ext cx="3350547" cy="3867965"/>
           </a:xfrm>
         </p:spPr>
         <p:txBody>
@@ -1471,13 +1472,13 @@
               <a:rPr lang="fr-FR" smtClean="0"/>
               <a:t>Cinquième niveau</a:t>
             </a:r>
-            <a:endParaRPr lang="fr-FR"/>
-          </a:p>
-        </p:txBody>
-      </p:sp>
-      <p:sp>
-        <p:nvSpPr>
-          <p:cNvPr id="5" name="Espace réservé du texte 4"/>
+            <a:endParaRPr lang="en-US" dirty="0"/>
+          </a:p>
+        </p:txBody>
+      </p:sp>
+      <p:sp>
+        <p:nvSpPr>
+          <p:cNvPr id="5" name="Text Placeholder 4"/>
           <p:cNvSpPr>
             <a:spLocks noGrp="1"/>
           </p:cNvSpPr>
@@ -1487,8 +1488,8 @@
         </p:nvSpPr>
         <p:spPr>
           <a:xfrm>
-            <a:off x="6172200" y="1681163"/>
-            <a:ext cx="5183188" cy="823912"/>
+            <a:off x="4009520" y="1764832"/>
+            <a:ext cx="3367048" cy="864917"/>
           </a:xfrm>
         </p:spPr>
         <p:txBody>
@@ -1496,39 +1497,39 @@
           <a:lstStyle>
             <a:lvl1pPr marL="0" indent="0">
               <a:buNone/>
-              <a:defRPr sz="2400" b="1"/>
+              <a:defRPr sz="2079" b="1"/>
             </a:lvl1pPr>
-            <a:lvl2pPr marL="457200" indent="0">
-              <a:buNone/>
-              <a:defRPr sz="2000" b="1"/>
+            <a:lvl2pPr marL="395981" indent="0">
+              <a:buNone/>
+              <a:defRPr sz="1732" b="1"/>
             </a:lvl2pPr>
-            <a:lvl3pPr marL="914400" indent="0">
-              <a:buNone/>
-              <a:defRPr sz="1800" b="1"/>
+            <a:lvl3pPr marL="791962" indent="0">
+              <a:buNone/>
+              <a:defRPr sz="1559" b="1"/>
             </a:lvl3pPr>
-            <a:lvl4pPr marL="1371600" indent="0">
-              <a:buNone/>
-              <a:defRPr sz="1600" b="1"/>
+            <a:lvl4pPr marL="1187943" indent="0">
+              <a:buNone/>
+              <a:defRPr sz="1386" b="1"/>
             </a:lvl4pPr>
-            <a:lvl5pPr marL="1828800" indent="0">
-              <a:buNone/>
-              <a:defRPr sz="1600" b="1"/>
+            <a:lvl5pPr marL="1583924" indent="0">
+              <a:buNone/>
+              <a:defRPr sz="1386" b="1"/>
             </a:lvl5pPr>
-            <a:lvl6pPr marL="2286000" indent="0">
-              <a:buNone/>
-              <a:defRPr sz="1600" b="1"/>
+            <a:lvl6pPr marL="1979905" indent="0">
+              <a:buNone/>
+              <a:defRPr sz="1386" b="1"/>
             </a:lvl6pPr>
-            <a:lvl7pPr marL="2743200" indent="0">
-              <a:buNone/>
-              <a:defRPr sz="1600" b="1"/>
+            <a:lvl7pPr marL="2375886" indent="0">
+              <a:buNone/>
+              <a:defRPr sz="1386" b="1"/>
             </a:lvl7pPr>
-            <a:lvl8pPr marL="3200400" indent="0">
-              <a:buNone/>
-              <a:defRPr sz="1600" b="1"/>
+            <a:lvl8pPr marL="2771866" indent="0">
+              <a:buNone/>
+              <a:defRPr sz="1386" b="1"/>
             </a:lvl8pPr>
-            <a:lvl9pPr marL="3657600" indent="0">
-              <a:buNone/>
-              <a:defRPr sz="1600" b="1"/>
+            <a:lvl9pPr marL="3167847" indent="0">
+              <a:buNone/>
+              <a:defRPr sz="1386" b="1"/>
             </a:lvl9pPr>
           </a:lstStyle>
           <a:p>
@@ -1542,7 +1543,7 @@
       </p:sp>
       <p:sp>
         <p:nvSpPr>
-          <p:cNvPr id="6" name="Espace réservé du contenu 5"/>
+          <p:cNvPr id="6" name="Content Placeholder 5"/>
           <p:cNvSpPr>
             <a:spLocks noGrp="1"/>
           </p:cNvSpPr>
@@ -1552,8 +1553,8 @@
         </p:nvSpPr>
         <p:spPr>
           <a:xfrm>
-            <a:off x="6172200" y="2505075"/>
-            <a:ext cx="5183188" cy="3684588"/>
+            <a:off x="4009520" y="2629749"/>
+            <a:ext cx="3367048" cy="3867965"/>
           </a:xfrm>
         </p:spPr>
         <p:txBody>
@@ -1593,13 +1594,13 @@
               <a:rPr lang="fr-FR" smtClean="0"/>
               <a:t>Cinquième niveau</a:t>
             </a:r>
-            <a:endParaRPr lang="fr-FR"/>
-          </a:p>
-        </p:txBody>
-      </p:sp>
-      <p:sp>
-        <p:nvSpPr>
-          <p:cNvPr id="7" name="Espace réservé de la date 6"/>
+            <a:endParaRPr lang="en-US" dirty="0"/>
+          </a:p>
+        </p:txBody>
+      </p:sp>
+      <p:sp>
+        <p:nvSpPr>
+          <p:cNvPr id="7" name="Date Placeholder 6"/>
           <p:cNvSpPr>
             <a:spLocks noGrp="1"/>
           </p:cNvSpPr>
@@ -1614,7 +1615,7 @@
           <a:p>
             <a:fld id="{E3B6E41C-0CF4-458E-88A9-1FB998CEBDAD}" type="datetimeFigureOut">
               <a:rPr lang="fr-FR" smtClean="0"/>
-              <a:t>24/08/2023</a:t>
+              <a:t>30/08/2023</a:t>
             </a:fld>
             <a:endParaRPr lang="fr-FR"/>
           </a:p>
@@ -1622,7 +1623,7 @@
       </p:sp>
       <p:sp>
         <p:nvSpPr>
-          <p:cNvPr id="8" name="Espace réservé du pied de page 7"/>
+          <p:cNvPr id="8" name="Footer Placeholder 7"/>
           <p:cNvSpPr>
             <a:spLocks noGrp="1"/>
           </p:cNvSpPr>
@@ -1641,7 +1642,7 @@
       </p:sp>
       <p:sp>
         <p:nvSpPr>
-          <p:cNvPr id="9" name="Espace réservé du numéro de diapositive 8"/>
+          <p:cNvPr id="9" name="Slide Number Placeholder 8"/>
           <p:cNvSpPr>
             <a:spLocks noGrp="1"/>
           </p:cNvSpPr>
@@ -1665,7 +1666,7 @@
     </p:spTree>
     <p:extLst>
       <p:ext uri="{BB962C8B-B14F-4D97-AF65-F5344CB8AC3E}">
-        <p14:creationId xmlns:p14="http://schemas.microsoft.com/office/powerpoint/2010/main" val="2146805582"/>
+        <p14:creationId xmlns:p14="http://schemas.microsoft.com/office/powerpoint/2010/main" val="1935412614"/>
       </p:ext>
     </p:extLst>
   </p:cSld>
@@ -1694,7 +1695,7 @@
       </p:grpSpPr>
       <p:sp>
         <p:nvSpPr>
-          <p:cNvPr id="2" name="Titre 1"/>
+          <p:cNvPr id="2" name="Title 1"/>
           <p:cNvSpPr>
             <a:spLocks noGrp="1"/>
           </p:cNvSpPr>
@@ -1711,13 +1712,13 @@
               <a:rPr lang="fr-FR" smtClean="0"/>
               <a:t>Modifiez le style du titre</a:t>
             </a:r>
-            <a:endParaRPr lang="fr-FR"/>
-          </a:p>
-        </p:txBody>
-      </p:sp>
-      <p:sp>
-        <p:nvSpPr>
-          <p:cNvPr id="3" name="Espace réservé de la date 2"/>
+            <a:endParaRPr lang="en-US" dirty="0"/>
+          </a:p>
+        </p:txBody>
+      </p:sp>
+      <p:sp>
+        <p:nvSpPr>
+          <p:cNvPr id="3" name="Date Placeholder 2"/>
           <p:cNvSpPr>
             <a:spLocks noGrp="1"/>
           </p:cNvSpPr>
@@ -1732,7 +1733,7 @@
           <a:p>
             <a:fld id="{E3B6E41C-0CF4-458E-88A9-1FB998CEBDAD}" type="datetimeFigureOut">
               <a:rPr lang="fr-FR" smtClean="0"/>
-              <a:t>24/08/2023</a:t>
+              <a:t>30/08/2023</a:t>
             </a:fld>
             <a:endParaRPr lang="fr-FR"/>
           </a:p>
@@ -1740,7 +1741,7 @@
       </p:sp>
       <p:sp>
         <p:nvSpPr>
-          <p:cNvPr id="4" name="Espace réservé du pied de page 3"/>
+          <p:cNvPr id="4" name="Footer Placeholder 3"/>
           <p:cNvSpPr>
             <a:spLocks noGrp="1"/>
           </p:cNvSpPr>
@@ -1759,7 +1760,7 @@
       </p:sp>
       <p:sp>
         <p:nvSpPr>
-          <p:cNvPr id="5" name="Espace réservé du numéro de diapositive 4"/>
+          <p:cNvPr id="5" name="Slide Number Placeholder 4"/>
           <p:cNvSpPr>
             <a:spLocks noGrp="1"/>
           </p:cNvSpPr>
@@ -1783,7 +1784,7 @@
     </p:spTree>
     <p:extLst>
       <p:ext uri="{BB962C8B-B14F-4D97-AF65-F5344CB8AC3E}">
-        <p14:creationId xmlns:p14="http://schemas.microsoft.com/office/powerpoint/2010/main" val="3114302977"/>
+        <p14:creationId xmlns:p14="http://schemas.microsoft.com/office/powerpoint/2010/main" val="2864089760"/>
       </p:ext>
     </p:extLst>
   </p:cSld>
@@ -1812,7 +1813,7 @@
       </p:grpSpPr>
       <p:sp>
         <p:nvSpPr>
-          <p:cNvPr id="2" name="Espace réservé de la date 1"/>
+          <p:cNvPr id="2" name="Date Placeholder 1"/>
           <p:cNvSpPr>
             <a:spLocks noGrp="1"/>
           </p:cNvSpPr>
@@ -1827,7 +1828,7 @@
           <a:p>
             <a:fld id="{E3B6E41C-0CF4-458E-88A9-1FB998CEBDAD}" type="datetimeFigureOut">
               <a:rPr lang="fr-FR" smtClean="0"/>
-              <a:t>24/08/2023</a:t>
+              <a:t>30/08/2023</a:t>
             </a:fld>
             <a:endParaRPr lang="fr-FR"/>
           </a:p>
@@ -1835,7 +1836,7 @@
       </p:sp>
       <p:sp>
         <p:nvSpPr>
-          <p:cNvPr id="3" name="Espace réservé du pied de page 2"/>
+          <p:cNvPr id="3" name="Footer Placeholder 2"/>
           <p:cNvSpPr>
             <a:spLocks noGrp="1"/>
           </p:cNvSpPr>
@@ -1854,7 +1855,7 @@
       </p:sp>
       <p:sp>
         <p:nvSpPr>
-          <p:cNvPr id="4" name="Espace réservé du numéro de diapositive 3"/>
+          <p:cNvPr id="4" name="Slide Number Placeholder 3"/>
           <p:cNvSpPr>
             <a:spLocks noGrp="1"/>
           </p:cNvSpPr>
@@ -1878,7 +1879,7 @@
     </p:spTree>
     <p:extLst>
       <p:ext uri="{BB962C8B-B14F-4D97-AF65-F5344CB8AC3E}">
-        <p14:creationId xmlns:p14="http://schemas.microsoft.com/office/powerpoint/2010/main" val="633706226"/>
+        <p14:creationId xmlns:p14="http://schemas.microsoft.com/office/powerpoint/2010/main" val="715840476"/>
       </p:ext>
     </p:extLst>
   </p:cSld>
@@ -1907,7 +1908,7 @@
       </p:grpSpPr>
       <p:sp>
         <p:nvSpPr>
-          <p:cNvPr id="2" name="Titre 1"/>
+          <p:cNvPr id="2" name="Title 1"/>
           <p:cNvSpPr>
             <a:spLocks noGrp="1"/>
           </p:cNvSpPr>
@@ -1917,15 +1918,15 @@
         </p:nvSpPr>
         <p:spPr>
           <a:xfrm>
-            <a:off x="839788" y="457200"/>
-            <a:ext cx="3932237" cy="1600200"/>
+            <a:off x="545534" y="479954"/>
+            <a:ext cx="2554418" cy="1679840"/>
           </a:xfrm>
         </p:spPr>
         <p:txBody>
           <a:bodyPr anchor="b"/>
           <a:lstStyle>
             <a:lvl1pPr>
-              <a:defRPr sz="3200"/>
+              <a:defRPr sz="2772"/>
             </a:lvl1pPr>
           </a:lstStyle>
           <a:p>
@@ -1933,13 +1934,13 @@
               <a:rPr lang="fr-FR" smtClean="0"/>
               <a:t>Modifiez le style du titre</a:t>
             </a:r>
-            <a:endParaRPr lang="fr-FR"/>
-          </a:p>
-        </p:txBody>
-      </p:sp>
-      <p:sp>
-        <p:nvSpPr>
-          <p:cNvPr id="3" name="Espace réservé du contenu 2"/>
+            <a:endParaRPr lang="en-US" dirty="0"/>
+          </a:p>
+        </p:txBody>
+      </p:sp>
+      <p:sp>
+        <p:nvSpPr>
+          <p:cNvPr id="3" name="Content Placeholder 2"/>
           <p:cNvSpPr>
             <a:spLocks noGrp="1"/>
           </p:cNvSpPr>
@@ -1949,39 +1950,39 @@
         </p:nvSpPr>
         <p:spPr>
           <a:xfrm>
-            <a:off x="5183188" y="987425"/>
-            <a:ext cx="6172200" cy="4873625"/>
+            <a:off x="3367048" y="1036570"/>
+            <a:ext cx="4009519" cy="5116178"/>
           </a:xfrm>
         </p:spPr>
         <p:txBody>
           <a:bodyPr/>
           <a:lstStyle>
             <a:lvl1pPr>
-              <a:defRPr sz="3200"/>
+              <a:defRPr sz="2772"/>
             </a:lvl1pPr>
             <a:lvl2pPr>
-              <a:defRPr sz="2800"/>
+              <a:defRPr sz="2425"/>
             </a:lvl2pPr>
             <a:lvl3pPr>
-              <a:defRPr sz="2400"/>
+              <a:defRPr sz="2079"/>
             </a:lvl3pPr>
             <a:lvl4pPr>
-              <a:defRPr sz="2000"/>
+              <a:defRPr sz="1732"/>
             </a:lvl4pPr>
             <a:lvl5pPr>
-              <a:defRPr sz="2000"/>
+              <a:defRPr sz="1732"/>
             </a:lvl5pPr>
             <a:lvl6pPr>
-              <a:defRPr sz="2000"/>
+              <a:defRPr sz="1732"/>
             </a:lvl6pPr>
             <a:lvl7pPr>
-              <a:defRPr sz="2000"/>
+              <a:defRPr sz="1732"/>
             </a:lvl7pPr>
             <a:lvl8pPr>
-              <a:defRPr sz="2000"/>
+              <a:defRPr sz="1732"/>
             </a:lvl8pPr>
             <a:lvl9pPr>
-              <a:defRPr sz="2000"/>
+              <a:defRPr sz="1732"/>
             </a:lvl9pPr>
           </a:lstStyle>
           <a:p>
@@ -2018,13 +2019,13 @@
               <a:rPr lang="fr-FR" smtClean="0"/>
               <a:t>Cinquième niveau</a:t>
             </a:r>
-            <a:endParaRPr lang="fr-FR"/>
-          </a:p>
-        </p:txBody>
-      </p:sp>
-      <p:sp>
-        <p:nvSpPr>
-          <p:cNvPr id="4" name="Espace réservé du texte 3"/>
+            <a:endParaRPr lang="en-US" dirty="0"/>
+          </a:p>
+        </p:txBody>
+      </p:sp>
+      <p:sp>
+        <p:nvSpPr>
+          <p:cNvPr id="4" name="Text Placeholder 3"/>
           <p:cNvSpPr>
             <a:spLocks noGrp="1"/>
           </p:cNvSpPr>
@@ -2034,8 +2035,8 @@
         </p:nvSpPr>
         <p:spPr>
           <a:xfrm>
-            <a:off x="839788" y="2057400"/>
-            <a:ext cx="3932237" cy="3811588"/>
+            <a:off x="545534" y="2159794"/>
+            <a:ext cx="2554418" cy="4001285"/>
           </a:xfrm>
         </p:spPr>
         <p:txBody>
@@ -2043,39 +2044,39 @@
           <a:lstStyle>
             <a:lvl1pPr marL="0" indent="0">
               <a:buNone/>
-              <a:defRPr sz="1600"/>
+              <a:defRPr sz="1386"/>
             </a:lvl1pPr>
-            <a:lvl2pPr marL="457200" indent="0">
-              <a:buNone/>
-              <a:defRPr sz="1400"/>
+            <a:lvl2pPr marL="395981" indent="0">
+              <a:buNone/>
+              <a:defRPr sz="1213"/>
             </a:lvl2pPr>
-            <a:lvl3pPr marL="914400" indent="0">
-              <a:buNone/>
-              <a:defRPr sz="1200"/>
+            <a:lvl3pPr marL="791962" indent="0">
+              <a:buNone/>
+              <a:defRPr sz="1039"/>
             </a:lvl3pPr>
-            <a:lvl4pPr marL="1371600" indent="0">
-              <a:buNone/>
-              <a:defRPr sz="1000"/>
+            <a:lvl4pPr marL="1187943" indent="0">
+              <a:buNone/>
+              <a:defRPr sz="866"/>
             </a:lvl4pPr>
-            <a:lvl5pPr marL="1828800" indent="0">
-              <a:buNone/>
-              <a:defRPr sz="1000"/>
+            <a:lvl5pPr marL="1583924" indent="0">
+              <a:buNone/>
+              <a:defRPr sz="866"/>
             </a:lvl5pPr>
-            <a:lvl6pPr marL="2286000" indent="0">
-              <a:buNone/>
-              <a:defRPr sz="1000"/>
+            <a:lvl6pPr marL="1979905" indent="0">
+              <a:buNone/>
+              <a:defRPr sz="866"/>
             </a:lvl6pPr>
-            <a:lvl7pPr marL="2743200" indent="0">
-              <a:buNone/>
-              <a:defRPr sz="1000"/>
+            <a:lvl7pPr marL="2375886" indent="0">
+              <a:buNone/>
+              <a:defRPr sz="866"/>
             </a:lvl7pPr>
-            <a:lvl8pPr marL="3200400" indent="0">
-              <a:buNone/>
-              <a:defRPr sz="1000"/>
+            <a:lvl8pPr marL="2771866" indent="0">
+              <a:buNone/>
+              <a:defRPr sz="866"/>
             </a:lvl8pPr>
-            <a:lvl9pPr marL="3657600" indent="0">
-              <a:buNone/>
-              <a:defRPr sz="1000"/>
+            <a:lvl9pPr marL="3167847" indent="0">
+              <a:buNone/>
+              <a:defRPr sz="866"/>
             </a:lvl9pPr>
           </a:lstStyle>
           <a:p>
@@ -2089,7 +2090,7 @@
       </p:sp>
       <p:sp>
         <p:nvSpPr>
-          <p:cNvPr id="5" name="Espace réservé de la date 4"/>
+          <p:cNvPr id="5" name="Date Placeholder 4"/>
           <p:cNvSpPr>
             <a:spLocks noGrp="1"/>
           </p:cNvSpPr>
@@ -2104,7 +2105,7 @@
           <a:p>
             <a:fld id="{E3B6E41C-0CF4-458E-88A9-1FB998CEBDAD}" type="datetimeFigureOut">
               <a:rPr lang="fr-FR" smtClean="0"/>
-              <a:t>24/08/2023</a:t>
+              <a:t>30/08/2023</a:t>
             </a:fld>
             <a:endParaRPr lang="fr-FR"/>
           </a:p>
@@ -2112,7 +2113,7 @@
       </p:sp>
       <p:sp>
         <p:nvSpPr>
-          <p:cNvPr id="6" name="Espace réservé du pied de page 5"/>
+          <p:cNvPr id="6" name="Footer Placeholder 5"/>
           <p:cNvSpPr>
             <a:spLocks noGrp="1"/>
           </p:cNvSpPr>
@@ -2131,7 +2132,7 @@
       </p:sp>
       <p:sp>
         <p:nvSpPr>
-          <p:cNvPr id="7" name="Espace réservé du numéro de diapositive 6"/>
+          <p:cNvPr id="7" name="Slide Number Placeholder 6"/>
           <p:cNvSpPr>
             <a:spLocks noGrp="1"/>
           </p:cNvSpPr>
@@ -2155,7 +2156,7 @@
     </p:spTree>
     <p:extLst>
       <p:ext uri="{BB962C8B-B14F-4D97-AF65-F5344CB8AC3E}">
-        <p14:creationId xmlns:p14="http://schemas.microsoft.com/office/powerpoint/2010/main" val="2980360606"/>
+        <p14:creationId xmlns:p14="http://schemas.microsoft.com/office/powerpoint/2010/main" val="2596828307"/>
       </p:ext>
     </p:extLst>
   </p:cSld>
@@ -2184,7 +2185,7 @@
       </p:grpSpPr>
       <p:sp>
         <p:nvSpPr>
-          <p:cNvPr id="2" name="Titre 1"/>
+          <p:cNvPr id="2" name="Title 1"/>
           <p:cNvSpPr>
             <a:spLocks noGrp="1"/>
           </p:cNvSpPr>
@@ -2194,15 +2195,15 @@
         </p:nvSpPr>
         <p:spPr>
           <a:xfrm>
-            <a:off x="839788" y="457200"/>
-            <a:ext cx="3932237" cy="1600200"/>
+            <a:off x="545534" y="479954"/>
+            <a:ext cx="2554418" cy="1679840"/>
           </a:xfrm>
         </p:spPr>
         <p:txBody>
           <a:bodyPr anchor="b"/>
           <a:lstStyle>
             <a:lvl1pPr>
-              <a:defRPr sz="3200"/>
+              <a:defRPr sz="2772"/>
             </a:lvl1pPr>
           </a:lstStyle>
           <a:p>
@@ -2210,15 +2211,15 @@
               <a:rPr lang="fr-FR" smtClean="0"/>
               <a:t>Modifiez le style du titre</a:t>
             </a:r>
-            <a:endParaRPr lang="fr-FR"/>
-          </a:p>
-        </p:txBody>
-      </p:sp>
-      <p:sp>
-        <p:nvSpPr>
-          <p:cNvPr id="3" name="Espace réservé pour une image  2"/>
-          <p:cNvSpPr>
-            <a:spLocks noGrp="1"/>
+            <a:endParaRPr lang="en-US" dirty="0"/>
+          </a:p>
+        </p:txBody>
+      </p:sp>
+      <p:sp>
+        <p:nvSpPr>
+          <p:cNvPr id="3" name="Picture Placeholder 2"/>
+          <p:cNvSpPr>
+            <a:spLocks noGrp="1" noChangeAspect="1"/>
           </p:cNvSpPr>
           <p:nvPr>
             <p:ph type="pic" idx="1"/>
@@ -2226,8 +2227,73 @@
         </p:nvSpPr>
         <p:spPr>
           <a:xfrm>
-            <a:off x="5183188" y="987425"/>
-            <a:ext cx="6172200" cy="4873625"/>
+            <a:off x="3367048" y="1036570"/>
+            <a:ext cx="4009519" cy="5116178"/>
+          </a:xfrm>
+        </p:spPr>
+        <p:txBody>
+          <a:bodyPr anchor="t"/>
+          <a:lstStyle>
+            <a:lvl1pPr marL="0" indent="0">
+              <a:buNone/>
+              <a:defRPr sz="2772"/>
+            </a:lvl1pPr>
+            <a:lvl2pPr marL="395981" indent="0">
+              <a:buNone/>
+              <a:defRPr sz="2425"/>
+            </a:lvl2pPr>
+            <a:lvl3pPr marL="791962" indent="0">
+              <a:buNone/>
+              <a:defRPr sz="2079"/>
+            </a:lvl3pPr>
+            <a:lvl4pPr marL="1187943" indent="0">
+              <a:buNone/>
+              <a:defRPr sz="1732"/>
+            </a:lvl4pPr>
+            <a:lvl5pPr marL="1583924" indent="0">
+              <a:buNone/>
+              <a:defRPr sz="1732"/>
+            </a:lvl5pPr>
+            <a:lvl6pPr marL="1979905" indent="0">
+              <a:buNone/>
+              <a:defRPr sz="1732"/>
+            </a:lvl6pPr>
+            <a:lvl7pPr marL="2375886" indent="0">
+              <a:buNone/>
+              <a:defRPr sz="1732"/>
+            </a:lvl7pPr>
+            <a:lvl8pPr marL="2771866" indent="0">
+              <a:buNone/>
+              <a:defRPr sz="1732"/>
+            </a:lvl8pPr>
+            <a:lvl9pPr marL="3167847" indent="0">
+              <a:buNone/>
+              <a:defRPr sz="1732"/>
+            </a:lvl9pPr>
+          </a:lstStyle>
+          <a:p>
+            <a:r>
+              <a:rPr lang="fr-FR" smtClean="0"/>
+              <a:t>Cliquez sur l'icône pour ajouter une image</a:t>
+            </a:r>
+            <a:endParaRPr lang="en-US" dirty="0"/>
+          </a:p>
+        </p:txBody>
+      </p:sp>
+      <p:sp>
+        <p:nvSpPr>
+          <p:cNvPr id="4" name="Text Placeholder 3"/>
+          <p:cNvSpPr>
+            <a:spLocks noGrp="1"/>
+          </p:cNvSpPr>
+          <p:nvPr>
+            <p:ph type="body" sz="half" idx="2"/>
+          </p:nvPr>
+        </p:nvSpPr>
+        <p:spPr>
+          <a:xfrm>
+            <a:off x="545534" y="2159794"/>
+            <a:ext cx="2554418" cy="4001285"/>
           </a:xfrm>
         </p:spPr>
         <p:txBody>
@@ -2235,103 +2301,42 @@
           <a:lstStyle>
             <a:lvl1pPr marL="0" indent="0">
               <a:buNone/>
-              <a:defRPr sz="3200"/>
+              <a:defRPr sz="1386"/>
             </a:lvl1pPr>
-            <a:lvl2pPr marL="457200" indent="0">
-              <a:buNone/>
-              <a:defRPr sz="2800"/>
+            <a:lvl2pPr marL="395981" indent="0">
+              <a:buNone/>
+              <a:defRPr sz="1213"/>
             </a:lvl2pPr>
-            <a:lvl3pPr marL="914400" indent="0">
-              <a:buNone/>
-              <a:defRPr sz="2400"/>
+            <a:lvl3pPr marL="791962" indent="0">
+              <a:buNone/>
+              <a:defRPr sz="1039"/>
             </a:lvl3pPr>
-            <a:lvl4pPr marL="1371600" indent="0">
-              <a:buNone/>
-              <a:defRPr sz="2000"/>
+            <a:lvl4pPr marL="1187943" indent="0">
+              <a:buNone/>
+              <a:defRPr sz="866"/>
             </a:lvl4pPr>
-            <a:lvl5pPr marL="1828800" indent="0">
-              <a:buNone/>
-              <a:defRPr sz="2000"/>
+            <a:lvl5pPr marL="1583924" indent="0">
+              <a:buNone/>
+              <a:defRPr sz="866"/>
             </a:lvl5pPr>
-            <a:lvl6pPr marL="2286000" indent="0">
-              <a:buNone/>
-              <a:defRPr sz="2000"/>
+            <a:lvl6pPr marL="1979905" indent="0">
+              <a:buNone/>
+              <a:defRPr sz="866"/>
             </a:lvl6pPr>
-            <a:lvl7pPr marL="2743200" indent="0">
-              <a:buNone/>
-              <a:defRPr sz="2000"/>
+            <a:lvl7pPr marL="2375886" indent="0">
+              <a:buNone/>
+              <a:defRPr sz="866"/>
             </a:lvl7pPr>
-            <a:lvl8pPr marL="3200400" indent="0">
-              <a:buNone/>
-              <a:defRPr sz="2000"/>
+            <a:lvl8pPr marL="2771866" indent="0">
+              <a:buNone/>
+              <a:defRPr sz="866"/>
             </a:lvl8pPr>
-            <a:lvl9pPr marL="3657600" indent="0">
-              <a:buNone/>
-              <a:defRPr sz="2000"/>
+            <a:lvl9pPr marL="3167847" indent="0">
+              <a:buNone/>
+              <a:defRPr sz="866"/>
             </a:lvl9pPr>
           </a:lstStyle>
           <a:p>
-            <a:endParaRPr lang="fr-FR"/>
-          </a:p>
-        </p:txBody>
-      </p:sp>
-      <p:sp>
-        <p:nvSpPr>
-          <p:cNvPr id="4" name="Espace réservé du texte 3"/>
-          <p:cNvSpPr>
-            <a:spLocks noGrp="1"/>
-          </p:cNvSpPr>
-          <p:nvPr>
-            <p:ph type="body" sz="half" idx="2"/>
-          </p:nvPr>
-        </p:nvSpPr>
-        <p:spPr>
-          <a:xfrm>
-            <a:off x="839788" y="2057400"/>
-            <a:ext cx="3932237" cy="3811588"/>
-          </a:xfrm>
-        </p:spPr>
-        <p:txBody>
-          <a:bodyPr/>
-          <a:lstStyle>
-            <a:lvl1pPr marL="0" indent="0">
-              <a:buNone/>
-              <a:defRPr sz="1600"/>
-            </a:lvl1pPr>
-            <a:lvl2pPr marL="457200" indent="0">
-              <a:buNone/>
-              <a:defRPr sz="1400"/>
-            </a:lvl2pPr>
-            <a:lvl3pPr marL="914400" indent="0">
-              <a:buNone/>
-              <a:defRPr sz="1200"/>
-            </a:lvl3pPr>
-            <a:lvl4pPr marL="1371600" indent="0">
-              <a:buNone/>
-              <a:defRPr sz="1000"/>
-            </a:lvl4pPr>
-            <a:lvl5pPr marL="1828800" indent="0">
-              <a:buNone/>
-              <a:defRPr sz="1000"/>
-            </a:lvl5pPr>
-            <a:lvl6pPr marL="2286000" indent="0">
-              <a:buNone/>
-              <a:defRPr sz="1000"/>
-            </a:lvl6pPr>
-            <a:lvl7pPr marL="2743200" indent="0">
-              <a:buNone/>
-              <a:defRPr sz="1000"/>
-            </a:lvl7pPr>
-            <a:lvl8pPr marL="3200400" indent="0">
-              <a:buNone/>
-              <a:defRPr sz="1000"/>
-            </a:lvl8pPr>
-            <a:lvl9pPr marL="3657600" indent="0">
-              <a:buNone/>
-              <a:defRPr sz="1000"/>
-            </a:lvl9pPr>
-          </a:lstStyle>
-          <a:p>
             <a:pPr lvl="0"/>
             <a:r>
               <a:rPr lang="fr-FR" smtClean="0"/>
@@ -2342,7 +2347,7 @@
       </p:sp>
       <p:sp>
         <p:nvSpPr>
-          <p:cNvPr id="5" name="Espace réservé de la date 4"/>
+          <p:cNvPr id="5" name="Date Placeholder 4"/>
           <p:cNvSpPr>
             <a:spLocks noGrp="1"/>
           </p:cNvSpPr>
@@ -2357,7 +2362,7 @@
           <a:p>
             <a:fld id="{E3B6E41C-0CF4-458E-88A9-1FB998CEBDAD}" type="datetimeFigureOut">
               <a:rPr lang="fr-FR" smtClean="0"/>
-              <a:t>24/08/2023</a:t>
+              <a:t>30/08/2023</a:t>
             </a:fld>
             <a:endParaRPr lang="fr-FR"/>
           </a:p>
@@ -2365,7 +2370,7 @@
       </p:sp>
       <p:sp>
         <p:nvSpPr>
-          <p:cNvPr id="6" name="Espace réservé du pied de page 5"/>
+          <p:cNvPr id="6" name="Footer Placeholder 5"/>
           <p:cNvSpPr>
             <a:spLocks noGrp="1"/>
           </p:cNvSpPr>
@@ -2384,7 +2389,7 @@
       </p:sp>
       <p:sp>
         <p:nvSpPr>
-          <p:cNvPr id="7" name="Espace réservé du numéro de diapositive 6"/>
+          <p:cNvPr id="7" name="Slide Number Placeholder 6"/>
           <p:cNvSpPr>
             <a:spLocks noGrp="1"/>
           </p:cNvSpPr>
@@ -2408,7 +2413,7 @@
     </p:spTree>
     <p:extLst>
       <p:ext uri="{BB962C8B-B14F-4D97-AF65-F5344CB8AC3E}">
-        <p14:creationId xmlns:p14="http://schemas.microsoft.com/office/powerpoint/2010/main" val="2152415394"/>
+        <p14:creationId xmlns:p14="http://schemas.microsoft.com/office/powerpoint/2010/main" val="3012869070"/>
       </p:ext>
     </p:extLst>
   </p:cSld>
@@ -2442,7 +2447,7 @@
       </p:grpSpPr>
       <p:sp>
         <p:nvSpPr>
-          <p:cNvPr id="2" name="Espace réservé du titre 1"/>
+          <p:cNvPr id="2" name="Title Placeholder 1"/>
           <p:cNvSpPr>
             <a:spLocks noGrp="1"/>
           </p:cNvSpPr>
@@ -2452,8 +2457,8 @@
         </p:nvSpPr>
         <p:spPr>
           <a:xfrm>
-            <a:off x="838200" y="365125"/>
-            <a:ext cx="10515600" cy="1325563"/>
+            <a:off x="544503" y="383299"/>
+            <a:ext cx="6831033" cy="1391534"/>
           </a:xfrm>
           <a:prstGeom prst="rect">
             <a:avLst/>
@@ -2469,13 +2474,13 @@
               <a:rPr lang="fr-FR" smtClean="0"/>
               <a:t>Modifiez le style du titre</a:t>
             </a:r>
-            <a:endParaRPr lang="fr-FR"/>
-          </a:p>
-        </p:txBody>
-      </p:sp>
-      <p:sp>
-        <p:nvSpPr>
-          <p:cNvPr id="3" name="Espace réservé du texte 2"/>
+            <a:endParaRPr lang="en-US" dirty="0"/>
+          </a:p>
+        </p:txBody>
+      </p:sp>
+      <p:sp>
+        <p:nvSpPr>
+          <p:cNvPr id="3" name="Text Placeholder 2"/>
           <p:cNvSpPr>
             <a:spLocks noGrp="1"/>
           </p:cNvSpPr>
@@ -2485,8 +2490,8 @@
         </p:nvSpPr>
         <p:spPr>
           <a:xfrm>
-            <a:off x="838200" y="1825625"/>
-            <a:ext cx="10515600" cy="4351338"/>
+            <a:off x="544503" y="1916484"/>
+            <a:ext cx="6831033" cy="4567898"/>
           </a:xfrm>
           <a:prstGeom prst="rect">
             <a:avLst/>
@@ -2531,13 +2536,13 @@
               <a:rPr lang="fr-FR" smtClean="0"/>
               <a:t>Cinquième niveau</a:t>
             </a:r>
-            <a:endParaRPr lang="fr-FR"/>
-          </a:p>
-        </p:txBody>
-      </p:sp>
-      <p:sp>
-        <p:nvSpPr>
-          <p:cNvPr id="4" name="Espace réservé de la date 3"/>
+            <a:endParaRPr lang="en-US" dirty="0"/>
+          </a:p>
+        </p:txBody>
+      </p:sp>
+      <p:sp>
+        <p:nvSpPr>
+          <p:cNvPr id="4" name="Date Placeholder 3"/>
           <p:cNvSpPr>
             <a:spLocks noGrp="1"/>
           </p:cNvSpPr>
@@ -2547,8 +2552,8 @@
         </p:nvSpPr>
         <p:spPr>
           <a:xfrm>
-            <a:off x="838200" y="6356350"/>
-            <a:ext cx="2743200" cy="365125"/>
+            <a:off x="544502" y="6672698"/>
+            <a:ext cx="1782009" cy="383297"/>
           </a:xfrm>
           <a:prstGeom prst="rect">
             <a:avLst/>
@@ -2558,7 +2563,7 @@
           <a:bodyPr vert="horz" lIns="91440" tIns="45720" rIns="91440" bIns="45720" rtlCol="0" anchor="ctr"/>
           <a:lstStyle>
             <a:lvl1pPr algn="l">
-              <a:defRPr sz="1200">
+              <a:defRPr sz="1039">
                 <a:solidFill>
                   <a:schemeClr val="tx1">
                     <a:tint val="75000"/>
@@ -2570,7 +2575,7 @@
           <a:p>
             <a:fld id="{E3B6E41C-0CF4-458E-88A9-1FB998CEBDAD}" type="datetimeFigureOut">
               <a:rPr lang="fr-FR" smtClean="0"/>
-              <a:t>24/08/2023</a:t>
+              <a:t>30/08/2023</a:t>
             </a:fld>
             <a:endParaRPr lang="fr-FR"/>
           </a:p>
@@ -2578,7 +2583,7 @@
       </p:sp>
       <p:sp>
         <p:nvSpPr>
-          <p:cNvPr id="5" name="Espace réservé du pied de page 4"/>
+          <p:cNvPr id="5" name="Footer Placeholder 4"/>
           <p:cNvSpPr>
             <a:spLocks noGrp="1"/>
           </p:cNvSpPr>
@@ -2588,8 +2593,8 @@
         </p:nvSpPr>
         <p:spPr>
           <a:xfrm>
-            <a:off x="4038600" y="6356350"/>
-            <a:ext cx="4114800" cy="365125"/>
+            <a:off x="2623513" y="6672698"/>
+            <a:ext cx="2673013" cy="383297"/>
           </a:xfrm>
           <a:prstGeom prst="rect">
             <a:avLst/>
@@ -2599,7 +2604,7 @@
           <a:bodyPr vert="horz" lIns="91440" tIns="45720" rIns="91440" bIns="45720" rtlCol="0" anchor="ctr"/>
           <a:lstStyle>
             <a:lvl1pPr algn="ctr">
-              <a:defRPr sz="1200">
+              <a:defRPr sz="1039">
                 <a:solidFill>
                   <a:schemeClr val="tx1">
                     <a:tint val="75000"/>
@@ -2615,7 +2620,7 @@
       </p:sp>
       <p:sp>
         <p:nvSpPr>
-          <p:cNvPr id="6" name="Espace réservé du numéro de diapositive 5"/>
+          <p:cNvPr id="6" name="Slide Number Placeholder 5"/>
           <p:cNvSpPr>
             <a:spLocks noGrp="1"/>
           </p:cNvSpPr>
@@ -2625,8 +2630,8 @@
         </p:nvSpPr>
         <p:spPr>
           <a:xfrm>
-            <a:off x="8610600" y="6356350"/>
-            <a:ext cx="2743200" cy="365125"/>
+            <a:off x="5593527" y="6672698"/>
+            <a:ext cx="1782009" cy="383297"/>
           </a:xfrm>
           <a:prstGeom prst="rect">
             <a:avLst/>
@@ -2636,7 +2641,7 @@
           <a:bodyPr vert="horz" lIns="91440" tIns="45720" rIns="91440" bIns="45720" rtlCol="0" anchor="ctr"/>
           <a:lstStyle>
             <a:lvl1pPr algn="r">
-              <a:defRPr sz="1200">
+              <a:defRPr sz="1039">
                 <a:solidFill>
                   <a:schemeClr val="tx1">
                     <a:tint val="75000"/>
@@ -2657,27 +2662,27 @@
     </p:spTree>
     <p:extLst>
       <p:ext uri="{BB962C8B-B14F-4D97-AF65-F5344CB8AC3E}">
-        <p14:creationId xmlns:p14="http://schemas.microsoft.com/office/powerpoint/2010/main" val="4196433070"/>
+        <p14:creationId xmlns:p14="http://schemas.microsoft.com/office/powerpoint/2010/main" val="377094529"/>
       </p:ext>
     </p:extLst>
   </p:cSld>
   <p:clrMap bg1="lt1" tx1="dk1" bg2="lt2" tx2="dk2" accent1="accent1" accent2="accent2" accent3="accent3" accent4="accent4" accent5="accent5" accent6="accent6" hlink="hlink" folHlink="folHlink"/>
   <p:sldLayoutIdLst>
-    <p:sldLayoutId id="2147483649" r:id="rId1"/>
-    <p:sldLayoutId id="2147483650" r:id="rId2"/>
-    <p:sldLayoutId id="2147483651" r:id="rId3"/>
-    <p:sldLayoutId id="2147483652" r:id="rId4"/>
-    <p:sldLayoutId id="2147483653" r:id="rId5"/>
-    <p:sldLayoutId id="2147483654" r:id="rId6"/>
-    <p:sldLayoutId id="2147483655" r:id="rId7"/>
-    <p:sldLayoutId id="2147483656" r:id="rId8"/>
-    <p:sldLayoutId id="2147483657" r:id="rId9"/>
-    <p:sldLayoutId id="2147483658" r:id="rId10"/>
-    <p:sldLayoutId id="2147483659" r:id="rId11"/>
+    <p:sldLayoutId id="2147483685" r:id="rId1"/>
+    <p:sldLayoutId id="2147483686" r:id="rId2"/>
+    <p:sldLayoutId id="2147483687" r:id="rId3"/>
+    <p:sldLayoutId id="2147483688" r:id="rId4"/>
+    <p:sldLayoutId id="2147483689" r:id="rId5"/>
+    <p:sldLayoutId id="2147483690" r:id="rId6"/>
+    <p:sldLayoutId id="2147483691" r:id="rId7"/>
+    <p:sldLayoutId id="2147483692" r:id="rId8"/>
+    <p:sldLayoutId id="2147483693" r:id="rId9"/>
+    <p:sldLayoutId id="2147483694" r:id="rId10"/>
+    <p:sldLayoutId id="2147483695" r:id="rId11"/>
   </p:sldLayoutIdLst>
   <p:txStyles>
     <p:titleStyle>
-      <a:lvl1pPr algn="l" defTabSz="914400" rtl="0" eaLnBrk="1" latinLnBrk="0" hangingPunct="1">
+      <a:lvl1pPr algn="l" defTabSz="791962" rtl="0" eaLnBrk="1" latinLnBrk="0" hangingPunct="1">
         <a:lnSpc>
           <a:spcPct val="90000"/>
         </a:lnSpc>
@@ -2685,7 +2690,7 @@
           <a:spcPct val="0"/>
         </a:spcBef>
         <a:buNone/>
-        <a:defRPr sz="4400" kern="1200">
+        <a:defRPr sz="3811" kern="1200">
           <a:solidFill>
             <a:schemeClr val="tx1"/>
           </a:solidFill>
@@ -2696,16 +2701,16 @@
       </a:lvl1pPr>
     </p:titleStyle>
     <p:bodyStyle>
-      <a:lvl1pPr marL="228600" indent="-228600" algn="l" defTabSz="914400" rtl="0" eaLnBrk="1" latinLnBrk="0" hangingPunct="1">
+      <a:lvl1pPr marL="197990" indent="-197990" algn="l" defTabSz="791962" rtl="0" eaLnBrk="1" latinLnBrk="0" hangingPunct="1">
         <a:lnSpc>
           <a:spcPct val="90000"/>
         </a:lnSpc>
         <a:spcBef>
-          <a:spcPts val="1000"/>
+          <a:spcPts val="866"/>
         </a:spcBef>
         <a:buFont typeface="Arial" panose="020B0604020202020204" pitchFamily="34" charset="0"/>
         <a:buChar char="•"/>
-        <a:defRPr sz="2800" kern="1200">
+        <a:defRPr sz="2425" kern="1200">
           <a:solidFill>
             <a:schemeClr val="tx1"/>
           </a:solidFill>
@@ -2714,16 +2719,16 @@
           <a:cs typeface="+mn-cs"/>
         </a:defRPr>
       </a:lvl1pPr>
-      <a:lvl2pPr marL="685800" indent="-228600" algn="l" defTabSz="914400" rtl="0" eaLnBrk="1" latinLnBrk="0" hangingPunct="1">
+      <a:lvl2pPr marL="593971" indent="-197990" algn="l" defTabSz="791962" rtl="0" eaLnBrk="1" latinLnBrk="0" hangingPunct="1">
         <a:lnSpc>
           <a:spcPct val="90000"/>
         </a:lnSpc>
         <a:spcBef>
-          <a:spcPts val="500"/>
+          <a:spcPts val="433"/>
         </a:spcBef>
         <a:buFont typeface="Arial" panose="020B0604020202020204" pitchFamily="34" charset="0"/>
         <a:buChar char="•"/>
-        <a:defRPr sz="2400" kern="1200">
+        <a:defRPr sz="2079" kern="1200">
           <a:solidFill>
             <a:schemeClr val="tx1"/>
           </a:solidFill>
@@ -2732,16 +2737,16 @@
           <a:cs typeface="+mn-cs"/>
         </a:defRPr>
       </a:lvl2pPr>
-      <a:lvl3pPr marL="1143000" indent="-228600" algn="l" defTabSz="914400" rtl="0" eaLnBrk="1" latinLnBrk="0" hangingPunct="1">
+      <a:lvl3pPr marL="989952" indent="-197990" algn="l" defTabSz="791962" rtl="0" eaLnBrk="1" latinLnBrk="0" hangingPunct="1">
         <a:lnSpc>
           <a:spcPct val="90000"/>
         </a:lnSpc>
         <a:spcBef>
-          <a:spcPts val="500"/>
+          <a:spcPts val="433"/>
         </a:spcBef>
         <a:buFont typeface="Arial" panose="020B0604020202020204" pitchFamily="34" charset="0"/>
         <a:buChar char="•"/>
-        <a:defRPr sz="2000" kern="1200">
+        <a:defRPr sz="1732" kern="1200">
           <a:solidFill>
             <a:schemeClr val="tx1"/>
           </a:solidFill>
@@ -2750,16 +2755,16 @@
           <a:cs typeface="+mn-cs"/>
         </a:defRPr>
       </a:lvl3pPr>
-      <a:lvl4pPr marL="1600200" indent="-228600" algn="l" defTabSz="914400" rtl="0" eaLnBrk="1" latinLnBrk="0" hangingPunct="1">
+      <a:lvl4pPr marL="1385933" indent="-197990" algn="l" defTabSz="791962" rtl="0" eaLnBrk="1" latinLnBrk="0" hangingPunct="1">
         <a:lnSpc>
           <a:spcPct val="90000"/>
         </a:lnSpc>
         <a:spcBef>
-          <a:spcPts val="500"/>
+          <a:spcPts val="433"/>
         </a:spcBef>
         <a:buFont typeface="Arial" panose="020B0604020202020204" pitchFamily="34" charset="0"/>
         <a:buChar char="•"/>
-        <a:defRPr sz="1800" kern="1200">
+        <a:defRPr sz="1559" kern="1200">
           <a:solidFill>
             <a:schemeClr val="tx1"/>
           </a:solidFill>
@@ -2768,16 +2773,16 @@
           <a:cs typeface="+mn-cs"/>
         </a:defRPr>
       </a:lvl4pPr>
-      <a:lvl5pPr marL="2057400" indent="-228600" algn="l" defTabSz="914400" rtl="0" eaLnBrk="1" latinLnBrk="0" hangingPunct="1">
+      <a:lvl5pPr marL="1781914" indent="-197990" algn="l" defTabSz="791962" rtl="0" eaLnBrk="1" latinLnBrk="0" hangingPunct="1">
         <a:lnSpc>
           <a:spcPct val="90000"/>
         </a:lnSpc>
         <a:spcBef>
-          <a:spcPts val="500"/>
+          <a:spcPts val="433"/>
         </a:spcBef>
         <a:buFont typeface="Arial" panose="020B0604020202020204" pitchFamily="34" charset="0"/>
         <a:buChar char="•"/>
-        <a:defRPr sz="1800" kern="1200">
+        <a:defRPr sz="1559" kern="1200">
           <a:solidFill>
             <a:schemeClr val="tx1"/>
           </a:solidFill>
@@ -2786,16 +2791,16 @@
           <a:cs typeface="+mn-cs"/>
         </a:defRPr>
       </a:lvl5pPr>
-      <a:lvl6pPr marL="2514600" indent="-228600" algn="l" defTabSz="914400" rtl="0" eaLnBrk="1" latinLnBrk="0" hangingPunct="1">
+      <a:lvl6pPr marL="2177895" indent="-197990" algn="l" defTabSz="791962" rtl="0" eaLnBrk="1" latinLnBrk="0" hangingPunct="1">
         <a:lnSpc>
           <a:spcPct val="90000"/>
         </a:lnSpc>
         <a:spcBef>
-          <a:spcPts val="500"/>
+          <a:spcPts val="433"/>
         </a:spcBef>
         <a:buFont typeface="Arial" panose="020B0604020202020204" pitchFamily="34" charset="0"/>
         <a:buChar char="•"/>
-        <a:defRPr sz="1800" kern="1200">
+        <a:defRPr sz="1559" kern="1200">
           <a:solidFill>
             <a:schemeClr val="tx1"/>
           </a:solidFill>
@@ -2804,16 +2809,16 @@
           <a:cs typeface="+mn-cs"/>
         </a:defRPr>
       </a:lvl6pPr>
-      <a:lvl7pPr marL="2971800" indent="-228600" algn="l" defTabSz="914400" rtl="0" eaLnBrk="1" latinLnBrk="0" hangingPunct="1">
+      <a:lvl7pPr marL="2573876" indent="-197990" algn="l" defTabSz="791962" rtl="0" eaLnBrk="1" latinLnBrk="0" hangingPunct="1">
         <a:lnSpc>
           <a:spcPct val="90000"/>
         </a:lnSpc>
         <a:spcBef>
-          <a:spcPts val="500"/>
+          <a:spcPts val="433"/>
         </a:spcBef>
         <a:buFont typeface="Arial" panose="020B0604020202020204" pitchFamily="34" charset="0"/>
         <a:buChar char="•"/>
-        <a:defRPr sz="1800" kern="1200">
+        <a:defRPr sz="1559" kern="1200">
           <a:solidFill>
             <a:schemeClr val="tx1"/>
           </a:solidFill>
@@ -2822,16 +2827,16 @@
           <a:cs typeface="+mn-cs"/>
         </a:defRPr>
       </a:lvl7pPr>
-      <a:lvl8pPr marL="3429000" indent="-228600" algn="l" defTabSz="914400" rtl="0" eaLnBrk="1" latinLnBrk="0" hangingPunct="1">
+      <a:lvl8pPr marL="2969857" indent="-197990" algn="l" defTabSz="791962" rtl="0" eaLnBrk="1" latinLnBrk="0" hangingPunct="1">
         <a:lnSpc>
           <a:spcPct val="90000"/>
         </a:lnSpc>
         <a:spcBef>
-          <a:spcPts val="500"/>
+          <a:spcPts val="433"/>
         </a:spcBef>
         <a:buFont typeface="Arial" panose="020B0604020202020204" pitchFamily="34" charset="0"/>
         <a:buChar char="•"/>
-        <a:defRPr sz="1800" kern="1200">
+        <a:defRPr sz="1559" kern="1200">
           <a:solidFill>
             <a:schemeClr val="tx1"/>
           </a:solidFill>
@@ -2840,16 +2845,16 @@
           <a:cs typeface="+mn-cs"/>
         </a:defRPr>
       </a:lvl8pPr>
-      <a:lvl9pPr marL="3886200" indent="-228600" algn="l" defTabSz="914400" rtl="0" eaLnBrk="1" latinLnBrk="0" hangingPunct="1">
+      <a:lvl9pPr marL="3365838" indent="-197990" algn="l" defTabSz="791962" rtl="0" eaLnBrk="1" latinLnBrk="0" hangingPunct="1">
         <a:lnSpc>
           <a:spcPct val="90000"/>
         </a:lnSpc>
         <a:spcBef>
-          <a:spcPts val="500"/>
+          <a:spcPts val="433"/>
         </a:spcBef>
         <a:buFont typeface="Arial" panose="020B0604020202020204" pitchFamily="34" charset="0"/>
         <a:buChar char="•"/>
-        <a:defRPr sz="1800" kern="1200">
+        <a:defRPr sz="1559" kern="1200">
           <a:solidFill>
             <a:schemeClr val="tx1"/>
           </a:solidFill>
@@ -2861,10 +2866,10 @@
     </p:bodyStyle>
     <p:otherStyle>
       <a:defPPr>
-        <a:defRPr lang="fr-FR"/>
+        <a:defRPr lang="en-US"/>
       </a:defPPr>
-      <a:lvl1pPr marL="0" algn="l" defTabSz="914400" rtl="0" eaLnBrk="1" latinLnBrk="0" hangingPunct="1">
-        <a:defRPr sz="1800" kern="1200">
+      <a:lvl1pPr marL="0" algn="l" defTabSz="791962" rtl="0" eaLnBrk="1" latinLnBrk="0" hangingPunct="1">
+        <a:defRPr sz="1559" kern="1200">
           <a:solidFill>
             <a:schemeClr val="tx1"/>
           </a:solidFill>
@@ -2873,8 +2878,8 @@
           <a:cs typeface="+mn-cs"/>
         </a:defRPr>
       </a:lvl1pPr>
-      <a:lvl2pPr marL="457200" algn="l" defTabSz="914400" rtl="0" eaLnBrk="1" latinLnBrk="0" hangingPunct="1">
-        <a:defRPr sz="1800" kern="1200">
+      <a:lvl2pPr marL="395981" algn="l" defTabSz="791962" rtl="0" eaLnBrk="1" latinLnBrk="0" hangingPunct="1">
+        <a:defRPr sz="1559" kern="1200">
           <a:solidFill>
             <a:schemeClr val="tx1"/>
           </a:solidFill>
@@ -2883,8 +2888,8 @@
           <a:cs typeface="+mn-cs"/>
         </a:defRPr>
       </a:lvl2pPr>
-      <a:lvl3pPr marL="914400" algn="l" defTabSz="914400" rtl="0" eaLnBrk="1" latinLnBrk="0" hangingPunct="1">
-        <a:defRPr sz="1800" kern="1200">
+      <a:lvl3pPr marL="791962" algn="l" defTabSz="791962" rtl="0" eaLnBrk="1" latinLnBrk="0" hangingPunct="1">
+        <a:defRPr sz="1559" kern="1200">
           <a:solidFill>
             <a:schemeClr val="tx1"/>
           </a:solidFill>
@@ -2893,8 +2898,8 @@
           <a:cs typeface="+mn-cs"/>
         </a:defRPr>
       </a:lvl3pPr>
-      <a:lvl4pPr marL="1371600" algn="l" defTabSz="914400" rtl="0" eaLnBrk="1" latinLnBrk="0" hangingPunct="1">
-        <a:defRPr sz="1800" kern="1200">
+      <a:lvl4pPr marL="1187943" algn="l" defTabSz="791962" rtl="0" eaLnBrk="1" latinLnBrk="0" hangingPunct="1">
+        <a:defRPr sz="1559" kern="1200">
           <a:solidFill>
             <a:schemeClr val="tx1"/>
           </a:solidFill>
@@ -2903,8 +2908,8 @@
           <a:cs typeface="+mn-cs"/>
         </a:defRPr>
       </a:lvl4pPr>
-      <a:lvl5pPr marL="1828800" algn="l" defTabSz="914400" rtl="0" eaLnBrk="1" latinLnBrk="0" hangingPunct="1">
-        <a:defRPr sz="1800" kern="1200">
+      <a:lvl5pPr marL="1583924" algn="l" defTabSz="791962" rtl="0" eaLnBrk="1" latinLnBrk="0" hangingPunct="1">
+        <a:defRPr sz="1559" kern="1200">
           <a:solidFill>
             <a:schemeClr val="tx1"/>
           </a:solidFill>
@@ -2913,8 +2918,8 @@
           <a:cs typeface="+mn-cs"/>
         </a:defRPr>
       </a:lvl5pPr>
-      <a:lvl6pPr marL="2286000" algn="l" defTabSz="914400" rtl="0" eaLnBrk="1" latinLnBrk="0" hangingPunct="1">
-        <a:defRPr sz="1800" kern="1200">
+      <a:lvl6pPr marL="1979905" algn="l" defTabSz="791962" rtl="0" eaLnBrk="1" latinLnBrk="0" hangingPunct="1">
+        <a:defRPr sz="1559" kern="1200">
           <a:solidFill>
             <a:schemeClr val="tx1"/>
           </a:solidFill>
@@ -2923,8 +2928,8 @@
           <a:cs typeface="+mn-cs"/>
         </a:defRPr>
       </a:lvl6pPr>
-      <a:lvl7pPr marL="2743200" algn="l" defTabSz="914400" rtl="0" eaLnBrk="1" latinLnBrk="0" hangingPunct="1">
-        <a:defRPr sz="1800" kern="1200">
+      <a:lvl7pPr marL="2375886" algn="l" defTabSz="791962" rtl="0" eaLnBrk="1" latinLnBrk="0" hangingPunct="1">
+        <a:defRPr sz="1559" kern="1200">
           <a:solidFill>
             <a:schemeClr val="tx1"/>
           </a:solidFill>
@@ -2933,8 +2938,8 @@
           <a:cs typeface="+mn-cs"/>
         </a:defRPr>
       </a:lvl7pPr>
-      <a:lvl8pPr marL="3200400" algn="l" defTabSz="914400" rtl="0" eaLnBrk="1" latinLnBrk="0" hangingPunct="1">
-        <a:defRPr sz="1800" kern="1200">
+      <a:lvl8pPr marL="2771866" algn="l" defTabSz="791962" rtl="0" eaLnBrk="1" latinLnBrk="0" hangingPunct="1">
+        <a:defRPr sz="1559" kern="1200">
           <a:solidFill>
             <a:schemeClr val="tx1"/>
           </a:solidFill>
@@ -2943,8 +2948,8 @@
           <a:cs typeface="+mn-cs"/>
         </a:defRPr>
       </a:lvl8pPr>
-      <a:lvl9pPr marL="3657600" algn="l" defTabSz="914400" rtl="0" eaLnBrk="1" latinLnBrk="0" hangingPunct="1">
-        <a:defRPr sz="1800" kern="1200">
+      <a:lvl9pPr marL="3167847" algn="l" defTabSz="791962" rtl="0" eaLnBrk="1" latinLnBrk="0" hangingPunct="1">
+        <a:defRPr sz="1559" kern="1200">
           <a:solidFill>
             <a:schemeClr val="tx1"/>
           </a:solidFill>
@@ -2977,7 +2982,7 @@
       </p:grpSpPr>
       <p:grpSp>
         <p:nvGrpSpPr>
-          <p:cNvPr id="4" name="Groupe 3"/>
+          <p:cNvPr id="125" name="Groupe 124"/>
           <p:cNvGrpSpPr/>
           <p:nvPr/>
         </p:nvGrpSpPr>
@@ -2991,13 +2996,13 @@
         </p:grpSpPr>
         <p:sp>
           <p:nvSpPr>
-            <p:cNvPr id="5" name="Triangle isocèle 4"/>
+            <p:cNvPr id="126" name="Triangle isocèle 125"/>
             <p:cNvSpPr/>
             <p:nvPr/>
           </p:nvSpPr>
           <p:spPr>
             <a:xfrm rot="16200000">
-              <a:off x="9918524" y="3284812"/>
+              <a:off x="9918524" y="3234012"/>
               <a:ext cx="563642" cy="1944822"/>
             </a:xfrm>
             <a:prstGeom prst="triangle">
@@ -3033,7 +3038,7 @@
         </p:sp>
         <p:sp>
           <p:nvSpPr>
-            <p:cNvPr id="6" name="Triangle isocèle 5"/>
+            <p:cNvPr id="127" name="Triangle isocèle 126"/>
             <p:cNvSpPr/>
             <p:nvPr/>
           </p:nvSpPr>
@@ -3044,7 +3049,7 @@
             </a:xfrm>
             <a:prstGeom prst="triangle">
               <a:avLst>
-                <a:gd name="adj" fmla="val 2082"/>
+                <a:gd name="adj" fmla="val 0"/>
               </a:avLst>
             </a:prstGeom>
           </p:spPr>
@@ -3075,14 +3080,14 @@
         </p:sp>
         <p:sp>
           <p:nvSpPr>
-            <p:cNvPr id="7" name="ZoneTexte 6"/>
+            <p:cNvPr id="128" name="ZoneTexte 127"/>
             <p:cNvSpPr txBox="1"/>
             <p:nvPr/>
           </p:nvSpPr>
           <p:spPr>
             <a:xfrm>
-              <a:off x="10568842" y="4169712"/>
-              <a:ext cx="626345" cy="369332"/>
+              <a:off x="10568842" y="4118912"/>
+              <a:ext cx="622083" cy="369332"/>
             </a:xfrm>
             <a:prstGeom prst="rect">
               <a:avLst/>
@@ -3113,7 +3118,7 @@
         </p:sp>
         <p:sp>
           <p:nvSpPr>
-            <p:cNvPr id="8" name="ZoneTexte 7"/>
+            <p:cNvPr id="129" name="ZoneTexte 128"/>
             <p:cNvSpPr txBox="1"/>
             <p:nvPr/>
           </p:nvSpPr>
@@ -3151,7 +3156,7 @@
         </p:sp>
         <p:sp>
           <p:nvSpPr>
-            <p:cNvPr id="9" name="ZoneTexte 8"/>
+            <p:cNvPr id="130" name="ZoneTexte 129"/>
             <p:cNvSpPr txBox="1"/>
             <p:nvPr/>
           </p:nvSpPr>
@@ -3181,7 +3186,7 @@
         </p:sp>
         <p:sp>
           <p:nvSpPr>
-            <p:cNvPr id="10" name="ZoneTexte 9"/>
+            <p:cNvPr id="131" name="ZoneTexte 130"/>
             <p:cNvSpPr txBox="1"/>
             <p:nvPr/>
           </p:nvSpPr>
@@ -3214,7 +3219,7 @@
         <mc:Choice xmlns:a14="http://schemas.microsoft.com/office/drawing/2010/main" Requires="a14">
           <p:sp>
             <p:nvSpPr>
-              <p:cNvPr id="11" name="ZoneTexte 10"/>
+              <p:cNvPr id="132" name="ZoneTexte 131"/>
               <p:cNvSpPr txBox="1"/>
               <p:nvPr/>
             </p:nvSpPr>
@@ -3331,7 +3336,7 @@
         <mc:Fallback>
           <p:sp>
             <p:nvSpPr>
-              <p:cNvPr id="11" name="ZoneTexte 10"/>
+              <p:cNvPr id="132" name="ZoneTexte 131"/>
               <p:cNvSpPr txBox="1">
                 <a:spLocks noRot="1" noChangeAspect="1" noMove="1" noResize="1" noEditPoints="1" noAdjustHandles="1" noChangeArrowheads="1" noChangeShapeType="1" noTextEdit="1"/>
               </p:cNvSpPr>
@@ -3369,7 +3374,7 @@
       </mc:AlternateContent>
       <p:grpSp>
         <p:nvGrpSpPr>
-          <p:cNvPr id="12" name="Groupe 11"/>
+          <p:cNvPr id="133" name="Groupe 132"/>
           <p:cNvGrpSpPr/>
           <p:nvPr/>
         </p:nvGrpSpPr>
@@ -3383,7 +3388,7 @@
         </p:grpSpPr>
         <p:sp>
           <p:nvSpPr>
-            <p:cNvPr id="13" name="Rectangle 12"/>
+            <p:cNvPr id="134" name="Rectangle 133"/>
             <p:cNvSpPr/>
             <p:nvPr/>
           </p:nvSpPr>
@@ -3431,7 +3436,7 @@
         </p:sp>
         <p:pic>
           <p:nvPicPr>
-            <p:cNvPr id="14" name="Image 13"/>
+            <p:cNvPr id="135" name="Image 134"/>
             <p:cNvPicPr>
               <a:picLocks noChangeAspect="1"/>
             </p:cNvPicPr>
@@ -3461,7 +3466,7 @@
         </p:pic>
         <p:pic>
           <p:nvPicPr>
-            <p:cNvPr id="15" name="Image 14"/>
+            <p:cNvPr id="136" name="Image 135"/>
             <p:cNvPicPr>
               <a:picLocks noChangeAspect="1"/>
             </p:cNvPicPr>
@@ -3491,7 +3496,7 @@
         </p:pic>
         <p:pic>
           <p:nvPicPr>
-            <p:cNvPr id="16" name="Image 15"/>
+            <p:cNvPr id="137" name="Image 136"/>
             <p:cNvPicPr>
               <a:picLocks noChangeAspect="1"/>
             </p:cNvPicPr>
@@ -3521,7 +3526,7 @@
         </p:pic>
         <p:pic>
           <p:nvPicPr>
-            <p:cNvPr id="17" name="Image 16"/>
+            <p:cNvPr id="138" name="Image 137"/>
             <p:cNvPicPr>
               <a:picLocks noChangeAspect="1"/>
             </p:cNvPicPr>
@@ -3551,7 +3556,7 @@
         </p:pic>
         <p:pic>
           <p:nvPicPr>
-            <p:cNvPr id="18" name="Image 17"/>
+            <p:cNvPr id="139" name="Image 138"/>
             <p:cNvPicPr>
               <a:picLocks noChangeAspect="1"/>
             </p:cNvPicPr>
@@ -3581,7 +3586,7 @@
         </p:pic>
         <p:sp>
           <p:nvSpPr>
-            <p:cNvPr id="19" name="ZoneTexte 18"/>
+            <p:cNvPr id="140" name="ZoneTexte 139"/>
             <p:cNvSpPr txBox="1"/>
             <p:nvPr/>
           </p:nvSpPr>
@@ -3628,7 +3633,7 @@
         </p:sp>
         <p:sp>
           <p:nvSpPr>
-            <p:cNvPr id="20" name="ZoneTexte 19"/>
+            <p:cNvPr id="141" name="ZoneTexte 140"/>
             <p:cNvSpPr txBox="1"/>
             <p:nvPr/>
           </p:nvSpPr>
@@ -3650,7 +3655,7 @@
             <a:p>
               <a:pPr algn="ctr"/>
               <a:r>
-                <a:rPr lang="fr-FR" sz="2400" b="1" dirty="0" err="1" smtClean="0">
+                <a:rPr lang="fr-FR" sz="2400" b="1" dirty="0" smtClean="0">
                   <a:solidFill>
                     <a:srgbClr val="FF0000"/>
                   </a:solidFill>
@@ -3658,12 +3663,12 @@
                 <a:t>V</a:t>
               </a:r>
               <a:r>
-                <a:rPr lang="fr-FR" sz="2400" b="1" baseline="-25000" dirty="0" err="1" smtClean="0">
+                <a:rPr lang="fr-FR" sz="2400" b="1" baseline="-25000" dirty="0" smtClean="0">
                   <a:solidFill>
                     <a:srgbClr val="FF0000"/>
                   </a:solidFill>
                 </a:rPr>
-                <a:t>gxe</a:t>
+                <a:t>e</a:t>
               </a:r>
               <a:endParaRPr lang="fr-FR" sz="2400" b="1" dirty="0">
                 <a:solidFill>
@@ -3675,7 +3680,7 @@
         </p:sp>
         <p:sp>
           <p:nvSpPr>
-            <p:cNvPr id="21" name="ZoneTexte 20"/>
+            <p:cNvPr id="142" name="ZoneTexte 141"/>
             <p:cNvSpPr txBox="1"/>
             <p:nvPr/>
           </p:nvSpPr>
@@ -3722,7 +3727,7 @@
         </p:sp>
         <p:sp>
           <p:nvSpPr>
-            <p:cNvPr id="22" name="ZoneTexte 21"/>
+            <p:cNvPr id="143" name="ZoneTexte 142"/>
             <p:cNvSpPr txBox="1"/>
             <p:nvPr/>
           </p:nvSpPr>
@@ -3769,7 +3774,7 @@
         </p:sp>
         <p:sp>
           <p:nvSpPr>
-            <p:cNvPr id="23" name="ZoneTexte 22"/>
+            <p:cNvPr id="144" name="ZoneTexte 143"/>
             <p:cNvSpPr txBox="1"/>
             <p:nvPr/>
           </p:nvSpPr>
@@ -3803,7 +3808,7 @@
         </p:sp>
         <p:sp>
           <p:nvSpPr>
-            <p:cNvPr id="24" name="ZoneTexte 23"/>
+            <p:cNvPr id="145" name="ZoneTexte 144"/>
             <p:cNvSpPr txBox="1"/>
             <p:nvPr/>
           </p:nvSpPr>
@@ -3837,9 +3842,9 @@
         </p:sp>
         <p:cxnSp>
           <p:nvCxnSpPr>
-            <p:cNvPr id="25" name="Connecteur droit 24"/>
+            <p:cNvPr id="146" name="Connecteur droit 145"/>
             <p:cNvCxnSpPr>
-              <a:endCxn id="16" idx="0"/>
+              <a:endCxn id="137" idx="0"/>
             </p:cNvCxnSpPr>
             <p:nvPr/>
           </p:nvCxnSpPr>
@@ -3875,9 +3880,9 @@
         </p:cxnSp>
         <p:cxnSp>
           <p:nvCxnSpPr>
-            <p:cNvPr id="26" name="Connecteur droit 25"/>
+            <p:cNvPr id="147" name="Connecteur droit 146"/>
             <p:cNvCxnSpPr>
-              <a:endCxn id="18" idx="0"/>
+              <a:endCxn id="139" idx="0"/>
             </p:cNvCxnSpPr>
             <p:nvPr/>
           </p:nvCxnSpPr>
@@ -3913,7 +3918,7 @@
         </p:cxnSp>
         <p:sp>
           <p:nvSpPr>
-            <p:cNvPr id="27" name="ZoneTexte 26"/>
+            <p:cNvPr id="148" name="ZoneTexte 147"/>
             <p:cNvSpPr txBox="1"/>
             <p:nvPr/>
           </p:nvSpPr>
@@ -3959,7 +3964,7 @@
         </p:sp>
         <p:sp>
           <p:nvSpPr>
-            <p:cNvPr id="28" name="ZoneTexte 27"/>
+            <p:cNvPr id="149" name="ZoneTexte 148"/>
             <p:cNvSpPr txBox="1"/>
             <p:nvPr/>
           </p:nvSpPr>
@@ -4011,11 +4016,11 @@
             </a:p>
           </p:txBody>
         </p:sp>
-        <mc:AlternateContent xmlns:mc="http://schemas.openxmlformats.org/markup-compatibility/2006" xmlns:a14="http://schemas.microsoft.com/office/drawing/2010/main">
-          <mc:Choice Requires="a14">
+        <mc:AlternateContent xmlns:mc="http://schemas.openxmlformats.org/markup-compatibility/2006">
+          <mc:Choice xmlns:a14="http://schemas.microsoft.com/office/drawing/2010/main" Requires="a14">
             <p:sp>
               <p:nvSpPr>
-                <p:cNvPr id="29" name="ZoneTexte 28"/>
+                <p:cNvPr id="150" name="ZoneTexte 149"/>
                 <p:cNvSpPr txBox="1"/>
                 <p:nvPr/>
               </p:nvSpPr>
@@ -4207,7 +4212,7 @@
                                   <a:rPr lang="fr-FR" sz="1200" i="1">
                                     <a:latin typeface="Cambria Math" panose="02040503050406030204" pitchFamily="18" charset="0"/>
                                   </a:rPr>
-                                  <m:t>𝑔𝑥𝑒</m:t>
+                                  <m:t>𝑒</m:t>
                                 </m:r>
                               </m:sub>
                             </m:sSub>
@@ -4288,10 +4293,10 @@
               </p:txBody>
             </p:sp>
           </mc:Choice>
-          <mc:Fallback xmlns="">
+          <mc:Fallback>
             <p:sp>
               <p:nvSpPr>
-                <p:cNvPr id="53" name="ZoneTexte 52"/>
+                <p:cNvPr id="150" name="ZoneTexte 149"/>
                 <p:cNvSpPr txBox="1">
                   <a:spLocks noRot="1" noChangeAspect="1" noMove="1" noResize="1" noEditPoints="1" noAdjustHandles="1" noChangeArrowheads="1" noChangeShapeType="1" noTextEdit="1"/>
                 </p:cNvSpPr>
@@ -4306,7 +4311,7 @@
                   <a:avLst/>
                 </a:prstGeom>
                 <a:blipFill>
-                  <a:blip r:embed="rId8"/>
+                  <a:blip r:embed="rId7"/>
                   <a:stretch>
                     <a:fillRect t="-1408" b="-8451"/>
                   </a:stretch>
@@ -4332,11 +4337,11 @@
             </p:sp>
           </mc:Fallback>
         </mc:AlternateContent>
-        <mc:AlternateContent xmlns:mc="http://schemas.openxmlformats.org/markup-compatibility/2006" xmlns:a14="http://schemas.microsoft.com/office/drawing/2010/main">
-          <mc:Choice Requires="a14">
+        <mc:AlternateContent xmlns:mc="http://schemas.openxmlformats.org/markup-compatibility/2006">
+          <mc:Choice xmlns:a14="http://schemas.microsoft.com/office/drawing/2010/main" Requires="a14">
             <p:sp>
               <p:nvSpPr>
-                <p:cNvPr id="30" name="ZoneTexte 29"/>
+                <p:cNvPr id="151" name="ZoneTexte 150"/>
                 <p:cNvSpPr txBox="1"/>
                 <p:nvPr/>
               </p:nvSpPr>
@@ -4528,7 +4533,7 @@
                                   <a:rPr lang="fr-FR" sz="1200" i="1">
                                     <a:latin typeface="Cambria Math" panose="02040503050406030204" pitchFamily="18" charset="0"/>
                                   </a:rPr>
-                                  <m:t>𝑔𝑥𝑒</m:t>
+                                  <m:t>𝑒</m:t>
                                 </m:r>
                               </m:sub>
                             </m:sSub>
@@ -4573,10 +4578,10 @@
               </p:txBody>
             </p:sp>
           </mc:Choice>
-          <mc:Fallback xmlns="">
+          <mc:Fallback>
             <p:sp>
               <p:nvSpPr>
-                <p:cNvPr id="54" name="ZoneTexte 53"/>
+                <p:cNvPr id="151" name="ZoneTexte 150"/>
                 <p:cNvSpPr txBox="1">
                   <a:spLocks noRot="1" noChangeAspect="1" noMove="1" noResize="1" noEditPoints="1" noAdjustHandles="1" noChangeArrowheads="1" noChangeShapeType="1" noTextEdit="1"/>
                 </p:cNvSpPr>
@@ -4591,7 +4596,7 @@
                   <a:avLst/>
                 </a:prstGeom>
                 <a:blipFill>
-                  <a:blip r:embed="rId9"/>
+                  <a:blip r:embed="rId8"/>
                   <a:stretch>
                     <a:fillRect t="-1471" b="-8824"/>
                   </a:stretch>
@@ -4619,7 +4624,7 @@
         </mc:AlternateContent>
         <p:sp>
           <p:nvSpPr>
-            <p:cNvPr id="31" name="ZoneTexte 30"/>
+            <p:cNvPr id="152" name="ZoneTexte 151"/>
             <p:cNvSpPr txBox="1"/>
             <p:nvPr/>
           </p:nvSpPr>
@@ -4657,7 +4662,7 @@
         </p:sp>
         <p:sp>
           <p:nvSpPr>
-            <p:cNvPr id="32" name="ZoneTexte 31"/>
+            <p:cNvPr id="153" name="ZoneTexte 152"/>
             <p:cNvSpPr txBox="1"/>
             <p:nvPr/>
           </p:nvSpPr>
@@ -4695,7 +4700,7 @@
         </p:sp>
         <p:sp>
           <p:nvSpPr>
-            <p:cNvPr id="33" name="ZoneTexte 32"/>
+            <p:cNvPr id="154" name="ZoneTexte 153"/>
             <p:cNvSpPr txBox="1"/>
             <p:nvPr/>
           </p:nvSpPr>
@@ -4741,7 +4746,7 @@
         </p:sp>
         <p:sp>
           <p:nvSpPr>
-            <p:cNvPr id="34" name="ZoneTexte 33"/>
+            <p:cNvPr id="155" name="ZoneTexte 154"/>
             <p:cNvSpPr txBox="1"/>
             <p:nvPr/>
           </p:nvSpPr>
@@ -4785,11 +4790,11 @@
             </a:p>
           </p:txBody>
         </p:sp>
-        <mc:AlternateContent xmlns:mc="http://schemas.openxmlformats.org/markup-compatibility/2006">
-          <mc:Choice xmlns:a14="http://schemas.microsoft.com/office/drawing/2010/main" Requires="a14">
+        <mc:AlternateContent xmlns:mc="http://schemas.openxmlformats.org/markup-compatibility/2006" xmlns:a14="http://schemas.microsoft.com/office/drawing/2010/main">
+          <mc:Choice Requires="a14">
             <p:sp>
               <p:nvSpPr>
-                <p:cNvPr id="35" name="Espace réservé du contenu 2"/>
+                <p:cNvPr id="156" name="Espace réservé du contenu 2"/>
                 <p:cNvSpPr txBox="1">
                   <a:spLocks/>
                 </p:cNvSpPr>
@@ -5108,7 +5113,7 @@
               </p:txBody>
             </p:sp>
           </mc:Choice>
-          <mc:Fallback>
+          <mc:Fallback xmlns="">
             <p:sp>
               <p:nvSpPr>
                 <p:cNvPr id="35" name="Espace réservé du contenu 2"/>
@@ -5149,7 +5154,7 @@
         </mc:AlternateContent>
         <p:cxnSp>
           <p:nvCxnSpPr>
-            <p:cNvPr id="36" name="Connecteur droit avec flèche 35"/>
+            <p:cNvPr id="157" name="Connecteur droit avec flèche 156"/>
             <p:cNvCxnSpPr/>
             <p:nvPr/>
           </p:nvCxnSpPr>
@@ -5183,7 +5188,7 @@
         </p:cxnSp>
         <p:cxnSp>
           <p:nvCxnSpPr>
-            <p:cNvPr id="37" name="Connecteur droit avec flèche 36"/>
+            <p:cNvPr id="158" name="Connecteur droit avec flèche 157"/>
             <p:cNvCxnSpPr/>
             <p:nvPr/>
           </p:nvCxnSpPr>
@@ -5217,7 +5222,7 @@
         </p:cxnSp>
         <p:sp>
           <p:nvSpPr>
-            <p:cNvPr id="38" name="ZoneTexte 37"/>
+            <p:cNvPr id="159" name="ZoneTexte 158"/>
             <p:cNvSpPr txBox="1"/>
             <p:nvPr/>
           </p:nvSpPr>
@@ -5266,7 +5271,7 @@
       </p:grpSp>
       <p:cxnSp>
         <p:nvCxnSpPr>
-          <p:cNvPr id="40" name="Connecteur droit avec flèche 39"/>
+          <p:cNvPr id="160" name="Connecteur droit avec flèche 159"/>
           <p:cNvCxnSpPr/>
           <p:nvPr/>
         </p:nvCxnSpPr>
@@ -5303,7 +5308,7 @@
       </p:cxnSp>
       <p:cxnSp>
         <p:nvCxnSpPr>
-          <p:cNvPr id="41" name="Connecteur droit avec flèche 40"/>
+          <p:cNvPr id="161" name="Connecteur droit avec flèche 160"/>
           <p:cNvCxnSpPr/>
           <p:nvPr/>
         </p:nvCxnSpPr>
@@ -5340,7 +5345,7 @@
       </p:cxnSp>
       <p:sp>
         <p:nvSpPr>
-          <p:cNvPr id="43" name="ZoneTexte 42"/>
+          <p:cNvPr id="162" name="ZoneTexte 161"/>
           <p:cNvSpPr txBox="1"/>
           <p:nvPr/>
         </p:nvSpPr>
@@ -5370,7 +5375,7 @@
       </p:sp>
       <p:sp>
         <p:nvSpPr>
-          <p:cNvPr id="44" name="ZoneTexte 43"/>
+          <p:cNvPr id="163" name="ZoneTexte 162"/>
           <p:cNvSpPr txBox="1"/>
           <p:nvPr/>
         </p:nvSpPr>
@@ -5404,7 +5409,7 @@
       </p:sp>
       <p:sp>
         <p:nvSpPr>
-          <p:cNvPr id="45" name="ZoneTexte 44"/>
+          <p:cNvPr id="164" name="ZoneTexte 163"/>
           <p:cNvSpPr txBox="1"/>
           <p:nvPr/>
         </p:nvSpPr>
@@ -5480,7 +5485,7 @@
                                           </p:stCondLst>
                                         </p:cTn>
                                         <p:tgtEl>
-                                          <p:spTgt spid="11"/>
+                                          <p:spTgt spid="132"/>
                                         </p:tgtEl>
                                         <p:attrNameLst>
                                           <p:attrName>style.visibility</p:attrName>
@@ -5521,7 +5526,7 @@
       </p:par>
     </p:tnLst>
     <p:bldLst>
-      <p:bldP spid="11" grpId="0"/>
+      <p:bldP spid="132" grpId="0"/>
     </p:bldLst>
   </p:timing>
 </p:sld>
@@ -5530,7 +5535,7 @@
 <file path=ppt/theme/theme1.xml><?xml version="1.0" encoding="utf-8"?>
 <a:theme xmlns:a="http://schemas.openxmlformats.org/drawingml/2006/main" name="Thème Office">
   <a:themeElements>
-    <a:clrScheme name="Office">
+    <a:clrScheme name="Thème Office">
       <a:dk1>
         <a:sysClr val="windowText" lastClr="000000"/>
       </a:dk1>
@@ -5568,7 +5573,7 @@
         <a:srgbClr val="954F72"/>
       </a:folHlink>
     </a:clrScheme>
-    <a:fontScheme name="Office">
+    <a:fontScheme name="Thème Office">
       <a:majorFont>
         <a:latin typeface="Calibri Light" panose="020F0302020204030204"/>
         <a:ea typeface=""/>
@@ -5640,7 +5645,7 @@
         <a:font script="Geor" typeface="Sylfaen"/>
       </a:minorFont>
     </a:fontScheme>
-    <a:fmtScheme name="Office">
+    <a:fmtScheme name="Thème Office">
       <a:fillStyleLst>
         <a:solidFill>
           <a:schemeClr val="phClr"/>
